--- a/My Office Add-in/src/taskpane/example_charts.pptx
+++ b/My Office Add-in/src/taskpane/example_charts.pptx
@@ -6,6 +6,14 @@
   </p:sldMasterIdLst>
   <p:sldIdLst>
     <p:sldId id="256" r:id="rId2"/>
+    <p:sldId id="257" r:id="rId3"/>
+    <p:sldId id="258" r:id="rId4"/>
+    <p:sldId id="259" r:id="rId5"/>
+    <p:sldId id="260" r:id="rId6"/>
+    <p:sldId id="261" r:id="rId7"/>
+    <p:sldId id="262" r:id="rId8"/>
+    <p:sldId id="263" r:id="rId9"/>
+    <p:sldId id="264" r:id="rId10"/>
   </p:sldIdLst>
   <p:sldSz cx="9144000" cy="6858000" type="screen4x3"/>
   <p:notesSz cx="6858000" cy="9144000"/>
@@ -115,6 +123,318 @@
 <file path=ppt/charts/chart1.xml><?xml version="1.0" encoding="utf-8"?>
 <c:chartSpace xmlns:c="http://schemas.openxmlformats.org/drawingml/2006/chart" xmlns:a="http://schemas.openxmlformats.org/drawingml/2006/main" xmlns:r="http://schemas.openxmlformats.org/officeDocument/2006/relationships">
   <c:lang val="en-US"/>
+  <c:date1904 val="1"/>
+  <c:chart>
+    <c:plotArea>
+      <c:layout/>
+      <c:barChart>
+        <c:barDir val="col"/>
+        <c:grouping val="clustered"/>
+        <c:overlap val="0"/>
+        <c:gapWidth val="150"/>
+        <c:axId val="64451712"/>
+        <c:axId val="64453248"/>
+        <c:ser>
+          <c:idx val="0"/>
+          <c:order val="0"/>
+          <c:tx>
+            <c:strRef>
+              <c:f>Sheet1!$B$1</c:f>
+              <c:strCache>
+                <c:ptCount val="1"/>
+                <c:pt idx="0">
+                  <c:v>current</c:v>
+                </c:pt>
+              </c:strCache>
+            </c:strRef>
+          </c:tx>
+          <c:invertIfNegative val="0"/>
+          <c:cat>
+            <c:strRef>
+              <c:f>Sheet1!$A$2:$A$13</c:f>
+              <c:strCache>
+                <c:ptCount val="12"/>
+                <c:pt idx="0">
+                  <c:v>[NA]</c:v>
+                </c:pt>
+                <c:pt idx="1">
+                  <c:v>14.1 to 16</c:v>
+                </c:pt>
+                <c:pt idx="2">
+                  <c:v>16.1 to 18</c:v>
+                </c:pt>
+                <c:pt idx="3">
+                  <c:v>18.1 to 20</c:v>
+                </c:pt>
+                <c:pt idx="4">
+                  <c:v>20.1 to 22</c:v>
+                </c:pt>
+                <c:pt idx="5">
+                  <c:v>22.1 to 24</c:v>
+                </c:pt>
+                <c:pt idx="6">
+                  <c:v>24.1 to 26</c:v>
+                </c:pt>
+                <c:pt idx="7">
+                  <c:v>26.1 to 28</c:v>
+                </c:pt>
+                <c:pt idx="8">
+                  <c:v>28.1 to 30</c:v>
+                </c:pt>
+                <c:pt idx="9">
+                  <c:v>30.1 to 32</c:v>
+                </c:pt>
+                <c:pt idx="10">
+                  <c:v>32.1 to 34</c:v>
+                </c:pt>
+                <c:pt idx="11">
+                  <c:v>44.1 to 46</c:v>
+                </c:pt>
+              </c:strCache>
+            </c:strRef>
+          </c:cat>
+          <c:val>
+            <c:numRef>
+              <c:f>Sheet1!$B$2:$B$13</c:f>
+              <c:numCache>
+                <c:formatCode>General</c:formatCode>
+                <c:ptCount val="12"/>
+                <c:pt idx="0">
+                  <c:v>0.024390243902439025</c:v>
+                </c:pt>
+                <c:pt idx="1">
+                  <c:v>0.17073170731707318</c:v>
+                </c:pt>
+                <c:pt idx="2">
+                  <c:v>0.1951219512195122</c:v>
+                </c:pt>
+                <c:pt idx="3">
+                  <c:v>0.21951219512195122</c:v>
+                </c:pt>
+                <c:pt idx="4">
+                  <c:v>0.14634146341463414</c:v>
+                </c:pt>
+                <c:pt idx="5">
+                  <c:v>0.21951219512195122</c:v>
+                </c:pt>
+                <c:pt idx="6">
+                  <c:v>0</c:v>
+                </c:pt>
+                <c:pt idx="7">
+                  <c:v>0.024390243902439025</c:v>
+                </c:pt>
+                <c:pt idx="8">
+                  <c:v>0</c:v>
+                </c:pt>
+                <c:pt idx="9">
+                  <c:v>0</c:v>
+                </c:pt>
+                <c:pt idx="10">
+                  <c:v>0</c:v>
+                </c:pt>
+                <c:pt idx="11">
+                  <c:v>0</c:v>
+                </c:pt>
+              </c:numCache>
+            </c:numRef>
+          </c:val>
+          <c:spPr>
+            <a:solidFill>
+              <a:schemeClr val="accent1"/>
+            </a:solidFill>
+            <a:ln>
+              <a:solidFill>
+                <a:schemeClr val="tx1"/>
+              </a:solidFill>
+            </a:ln>
+          </c:spPr>
+        </c:ser>
+        <c:ser>
+          <c:idx val="1"/>
+          <c:order val="1"/>
+          <c:tx>
+            <c:strRef>
+              <c:f>Sheet1!$C$1</c:f>
+              <c:strCache>
+                <c:ptCount val="1"/>
+                <c:pt idx="0">
+                  <c:v>baseline</c:v>
+                </c:pt>
+              </c:strCache>
+            </c:strRef>
+          </c:tx>
+          <c:invertIfNegative val="0"/>
+          <c:cat>
+            <c:strRef>
+              <c:f>Sheet1!$A$2:$A$13</c:f>
+              <c:strCache>
+                <c:ptCount val="12"/>
+                <c:pt idx="0">
+                  <c:v>[NA]</c:v>
+                </c:pt>
+                <c:pt idx="1">
+                  <c:v>14.1 to 16</c:v>
+                </c:pt>
+                <c:pt idx="2">
+                  <c:v>16.1 to 18</c:v>
+                </c:pt>
+                <c:pt idx="3">
+                  <c:v>18.1 to 20</c:v>
+                </c:pt>
+                <c:pt idx="4">
+                  <c:v>20.1 to 22</c:v>
+                </c:pt>
+                <c:pt idx="5">
+                  <c:v>22.1 to 24</c:v>
+                </c:pt>
+                <c:pt idx="6">
+                  <c:v>24.1 to 26</c:v>
+                </c:pt>
+                <c:pt idx="7">
+                  <c:v>26.1 to 28</c:v>
+                </c:pt>
+                <c:pt idx="8">
+                  <c:v>28.1 to 30</c:v>
+                </c:pt>
+                <c:pt idx="9">
+                  <c:v>30.1 to 32</c:v>
+                </c:pt>
+                <c:pt idx="10">
+                  <c:v>32.1 to 34</c:v>
+                </c:pt>
+                <c:pt idx="11">
+                  <c:v>44.1 to 46</c:v>
+                </c:pt>
+              </c:strCache>
+            </c:strRef>
+          </c:cat>
+          <c:val>
+            <c:numRef>
+              <c:f>Sheet1!$C$2:$C$13</c:f>
+              <c:numCache>
+                <c:formatCode>General</c:formatCode>
+                <c:ptCount val="12"/>
+                <c:pt idx="0">
+                  <c:v>0.017241379310344827</c:v>
+                </c:pt>
+                <c:pt idx="1">
+                  <c:v>0.008620689655172414</c:v>
+                </c:pt>
+                <c:pt idx="2">
+                  <c:v>0</c:v>
+                </c:pt>
+                <c:pt idx="3">
+                  <c:v>0.017241379310344827</c:v>
+                </c:pt>
+                <c:pt idx="4">
+                  <c:v>0.1896551724137931</c:v>
+                </c:pt>
+                <c:pt idx="5">
+                  <c:v>0.1810344827586207</c:v>
+                </c:pt>
+                <c:pt idx="6">
+                  <c:v>0.29310344827586204</c:v>
+                </c:pt>
+                <c:pt idx="7">
+                  <c:v>0.15517241379310345</c:v>
+                </c:pt>
+                <c:pt idx="8">
+                  <c:v>0.0603448275862069</c:v>
+                </c:pt>
+                <c:pt idx="9">
+                  <c:v>0.034482758620689655</c:v>
+                </c:pt>
+                <c:pt idx="10">
+                  <c:v>0.034482758620689655</c:v>
+                </c:pt>
+                <c:pt idx="11">
+                  <c:v>0.008620689655172414</c:v>
+                </c:pt>
+              </c:numCache>
+            </c:numRef>
+          </c:val>
+          <c:spPr>
+            <a:solidFill>
+              <a:schemeClr val="bg2"/>
+            </a:solidFill>
+            <a:ln>
+              <a:solidFill>
+                <a:schemeClr val="tx1"/>
+              </a:solidFill>
+            </a:ln>
+          </c:spPr>
+        </c:ser>
+      </c:barChart>
+      <c:catAx>
+        <c:axId val="64451712"/>
+        <c:scaling>
+          <c:orientation val="minMax"/>
+        </c:scaling>
+        <c:axPos val="l"/>
+        <c:tickLblPos val="nextTo"/>
+        <c:crossAx val="64453248"/>
+        <c:crosses val="autoZero"/>
+        <c:auto val="1"/>
+        <c:lblAlgn val="ctr"/>
+        <c:lblOffset val="100"/>
+      </c:catAx>
+      <c:valAx>
+        <c:axId val="64453248"/>
+        <c:scaling>
+          <c:orientation val="minMax"/>
+          <c:max val="24"/>
+        </c:scaling>
+        <c:axPos val="b"/>
+        <c:numFmt formatCode="0%" sourceLinked="0"/>
+        <c:tickLblPos val="nextTo"/>
+        <c:crossAx val="64451712"/>
+        <c:crosses val="autoZero"/>
+        <c:crossBetween val="between"/>
+      </c:valAx>
+    </c:plotArea>
+    <c:legend>
+      <c:legendPos val="r"/>
+      <c:layout/>
+    </c:legend>
+    <c:plotVisOnly val="1"/>
+    <c:title>
+      <c:tx>
+        <c:rich>
+          <a:bodyPr/>
+          <a:lstStyle/>
+          <a:p>
+            <a:pPr>
+              <a:defRPr/>
+            </a:pPr>
+            <a:r>
+              <a:rPr lang="en-US" dirty="0" smtClean="0"/>
+              <a:t>Marginal distribution for mpg</a:t>
+            </a:r>
+            <a:endParaRPr lang="en-US" dirty="0"/>
+          </a:p>
+        </c:rich>
+      </c:tx>
+      <c:layout/>
+      <c:overlay val="0"/>
+    </c:title>
+  </c:chart>
+  <c:txPr>
+    <a:bodyPr/>
+    <a:lstStyle/>
+    <a:p>
+      <a:pPr>
+        <a:defRPr sz="1800"/>
+      </a:pPr>
+      <a:endParaRPr lang="en-US"/>
+    </a:p>
+  </c:txPr>
+  <c:externalData r:id="rId1"/>
+</c:chartSpace>
+</file>
+
+<file path=ppt/charts/chart2.xml><?xml version="1.0" encoding="utf-8"?>
+<c:chartSpace xmlns:c="http://schemas.openxmlformats.org/drawingml/2006/chart" xmlns:a="http://schemas.openxmlformats.org/drawingml/2006/main" xmlns:r="http://schemas.openxmlformats.org/officeDocument/2006/relationships">
+  <c:lang val="en-US"/>
   <c:chart>
     <c:title>
       <c:layout/>
@@ -286,6 +606,2290 @@
       <c:layout/>
     </c:legend>
     <c:plotVisOnly val="1"/>
+  </c:chart>
+  <c:txPr>
+    <a:bodyPr/>
+    <a:lstStyle/>
+    <a:p>
+      <a:pPr>
+        <a:defRPr sz="1800"/>
+      </a:pPr>
+      <a:endParaRPr lang="en-US"/>
+    </a:p>
+  </c:txPr>
+  <c:externalData r:id="rId1"/>
+</c:chartSpace>
+</file>
+
+<file path=ppt/charts/chart3.xml><?xml version="1.0" encoding="utf-8"?>
+<c:chartSpace xmlns:c="http://schemas.openxmlformats.org/drawingml/2006/chart" xmlns:a="http://schemas.openxmlformats.org/drawingml/2006/main" xmlns:r="http://schemas.openxmlformats.org/officeDocument/2006/relationships">
+  <c:lang val="en-US"/>
+  <c:chart>
+    <c:title>
+      <c:layout/>
+      <c:tx>
+        <c:rich>
+          <a:bodyPr/>
+          <a:lstStyle/>
+          <a:p>
+            <a:pPr>
+              <a:defRPr/>
+            </a:pPr>
+            <a:r>
+              <a:rPr lang="en-US" dirty="0" smtClean="0"/>
+              <a:t>My production</a:t>
+            </a:r>
+            <a:endParaRPr lang="en-US" dirty="0"/>
+          </a:p>
+        </c:rich>
+      </c:tx>
+      <c:overlay val="0"/>
+    </c:title>
+    <c:plotArea>
+      <c:layout/>
+      <c:doughnutChart>
+        <c:varyColors val="1"/>
+        <c:firstSliceAng val="0"/>
+        <c:holeSize val="75"/>
+        <c:ser>
+          <c:idx val="0"/>
+          <c:order val="0"/>
+          <c:tx>
+            <c:strRef>
+              <c:f>Sheet1!$B$1</c:f>
+              <c:strCache>
+                <c:ptCount val="1"/>
+                <c:pt idx="0">
+                  <c:v>Oil</c:v>
+                </c:pt>
+              </c:strCache>
+            </c:strRef>
+          </c:tx>
+          <c:invertIfNegative val="0"/>
+          <c:cat>
+            <c:strRef>
+              <c:f>Sheet1!$A$2:$A$8</c:f>
+              <c:strCache>
+                <c:ptCount val="7"/>
+                <c:pt idx="0">
+                  <c:v>Czech Republic</c:v>
+                </c:pt>
+                <c:pt idx="1">
+                  <c:v>Ireland</c:v>
+                </c:pt>
+                <c:pt idx="2">
+                  <c:v>Germany</c:v>
+                </c:pt>
+                <c:pt idx="3">
+                  <c:v>Australia</c:v>
+                </c:pt>
+                <c:pt idx="4">
+                  <c:v>Austria</c:v>
+                </c:pt>
+                <c:pt idx="5">
+                  <c:v>UK</c:v>
+                </c:pt>
+                <c:pt idx="6">
+                  <c:v>Belgium</c:v>
+                </c:pt>
+              </c:strCache>
+            </c:strRef>
+          </c:cat>
+          <c:val>
+            <c:numRef>
+              <c:f>Sheet1!$B$2:$B$8</c:f>
+              <c:numCache>
+                <c:formatCode>General</c:formatCode>
+                <c:ptCount val="7"/>
+                <c:pt idx="0">
+                  <c:v>301</c:v>
+                </c:pt>
+                <c:pt idx="1">
+                  <c:v>201</c:v>
+                </c:pt>
+                <c:pt idx="2">
+                  <c:v>165</c:v>
+                </c:pt>
+                <c:pt idx="3">
+                  <c:v>139</c:v>
+                </c:pt>
+                <c:pt idx="4">
+                  <c:v>128</c:v>
+                </c:pt>
+                <c:pt idx="5">
+                  <c:v>99</c:v>
+                </c:pt>
+                <c:pt idx="6">
+                  <c:v>60</c:v>
+                </c:pt>
+              </c:numCache>
+            </c:numRef>
+          </c:val>
+          <c:dPt>
+            <c:idx val="0"/>
+            <c:bubble3D val="0"/>
+            <c:spPr>
+              <a:solidFill>
+                <a:srgbClr val="ff0000"/>
+              </a:solidFill>
+            </c:spPr>
+          </c:dPt>
+          <c:dPt>
+            <c:idx val="1"/>
+            <c:bubble3D val="0"/>
+            <c:spPr>
+              <a:solidFill>
+                <a:srgbClr val="00ff00"/>
+              </a:solidFill>
+            </c:spPr>
+          </c:dPt>
+          <c:dPt>
+            <c:idx val="2"/>
+            <c:bubble3D val="0"/>
+            <c:spPr>
+              <a:solidFill>
+                <a:srgbClr val="0000ff"/>
+              </a:solidFill>
+            </c:spPr>
+          </c:dPt>
+          <c:dPt>
+            <c:idx val="3"/>
+            <c:bubble3D val="0"/>
+            <c:spPr>
+              <a:solidFill>
+                <a:srgbClr val="ffff00"/>
+              </a:solidFill>
+            </c:spPr>
+          </c:dPt>
+          <c:dPt>
+            <c:idx val="4"/>
+            <c:bubble3D val="0"/>
+            <c:spPr>
+              <a:solidFill>
+                <a:srgbClr val="ff00ff"/>
+              </a:solidFill>
+            </c:spPr>
+          </c:dPt>
+          <c:dPt>
+            <c:idx val="5"/>
+            <c:bubble3D val="0"/>
+            <c:spPr>
+              <a:solidFill>
+                <a:srgbClr val="00ffff"/>
+              </a:solidFill>
+            </c:spPr>
+          </c:dPt>
+          <c:dPt>
+            <c:idx val="6"/>
+            <c:bubble3D val="0"/>
+            <c:spPr>
+              <a:solidFill>
+                <a:srgbClr val="000000"/>
+              </a:solidFill>
+            </c:spPr>
+          </c:dPt>
+        </c:ser>
+      </c:doughnutChart>
+    </c:plotArea>
+    <c:legend>
+      <c:legendPos val="r"/>
+      <c:layout/>
+    </c:legend>
+    <c:plotVisOnly val="1"/>
+  </c:chart>
+  <c:txPr>
+    <a:bodyPr/>
+    <a:lstStyle/>
+    <a:p>
+      <a:pPr>
+        <a:defRPr sz="1800"/>
+      </a:pPr>
+      <a:endParaRPr lang="en-US"/>
+    </a:p>
+  </c:txPr>
+  <c:externalData r:id="rId1"/>
+</c:chartSpace>
+</file>
+
+<file path=ppt/charts/chart4.xml><?xml version="1.0" encoding="utf-8"?>
+<c:chartSpace xmlns:c="http://schemas.openxmlformats.org/drawingml/2006/chart" xmlns:a="http://schemas.openxmlformats.org/drawingml/2006/main" xmlns:r="http://schemas.openxmlformats.org/officeDocument/2006/relationships">
+  <c:lang val="en-US"/>
+  <c:chart>
+    <c:plotArea>
+      <c:layout/>
+      <c:lineChart>
+        <c:grouping val="standard"/>
+        <c:axId val="64451712"/>
+        <c:axId val="64453248"/>
+        <c:ser>
+          <c:idx val="0"/>
+          <c:order val="0"/>
+          <c:tx>
+            <c:strRef>
+              <c:f>Sheet1!$B$1</c:f>
+              <c:strCache>
+                <c:ptCount val="1"/>
+                <c:pt idx="0">
+                  <c:v>europe</c:v>
+                </c:pt>
+              </c:strCache>
+            </c:strRef>
+          </c:tx>
+          <c:invertIfNegative val="0"/>
+          <c:cat>
+            <c:strRef>
+              <c:f>Sheet1!$A$2:$A$4</c:f>
+              <c:strCache>
+                <c:ptCount val="3"/>
+                <c:pt idx="0">
+                  <c:v>Y2003</c:v>
+                </c:pt>
+                <c:pt idx="1">
+                  <c:v>Y2004</c:v>
+                </c:pt>
+                <c:pt idx="2">
+                  <c:v>Y2005</c:v>
+                </c:pt>
+              </c:strCache>
+            </c:strRef>
+          </c:cat>
+          <c:val>
+            <c:numRef>
+              <c:f>Sheet1!$B$2:$B$4</c:f>
+              <c:numCache>
+                <c:formatCode>General</c:formatCode>
+                <c:ptCount val="3"/>
+                <c:pt idx="0">
+                  <c:v>2.5</c:v>
+                </c:pt>
+                <c:pt idx="1">
+                  <c:v>2.6</c:v>
+                </c:pt>
+                <c:pt idx="2">
+                  <c:v>2.8</c:v>
+                </c:pt>
+              </c:numCache>
+            </c:numRef>
+          </c:val>
+          <c:spPr>
+            <a:solidFill>
+              <a:srgbClr val="ff0000"/>
+            </a:solidFill>
+          </c:spPr>
+        </c:ser>
+        <c:ser>
+          <c:idx val="1"/>
+          <c:order val="1"/>
+          <c:tx>
+            <c:strRef>
+              <c:f>Sheet1!$C$1</c:f>
+              <c:strCache>
+                <c:ptCount val="1"/>
+                <c:pt idx="0">
+                  <c:v>namerica</c:v>
+                </c:pt>
+              </c:strCache>
+            </c:strRef>
+          </c:tx>
+          <c:invertIfNegative val="0"/>
+          <c:cat>
+            <c:strRef>
+              <c:f>Sheet1!$A$2:$A$4</c:f>
+              <c:strCache>
+                <c:ptCount val="3"/>
+                <c:pt idx="0">
+                  <c:v>Y2003</c:v>
+                </c:pt>
+                <c:pt idx="1">
+                  <c:v>Y2004</c:v>
+                </c:pt>
+                <c:pt idx="2">
+                  <c:v>Y2005</c:v>
+                </c:pt>
+              </c:strCache>
+            </c:strRef>
+          </c:cat>
+          <c:val>
+            <c:numRef>
+              <c:f>Sheet1!$C$2:$C$4</c:f>
+              <c:numCache>
+                <c:formatCode>General</c:formatCode>
+                <c:ptCount val="3"/>
+                <c:pt idx="0">
+                  <c:v>2.5</c:v>
+                </c:pt>
+                <c:pt idx="1">
+                  <c:v>2.7</c:v>
+                </c:pt>
+                <c:pt idx="2">
+                  <c:v>2.9</c:v>
+                </c:pt>
+              </c:numCache>
+            </c:numRef>
+          </c:val>
+          <c:spPr>
+            <a:solidFill>
+              <a:srgbClr val="00ff00"/>
+            </a:solidFill>
+          </c:spPr>
+        </c:ser>
+        <c:ser>
+          <c:idx val="2"/>
+          <c:order val="2"/>
+          <c:tx>
+            <c:strRef>
+              <c:f>Sheet1!$D$1</c:f>
+              <c:strCache>
+                <c:ptCount val="1"/>
+                <c:pt idx="0">
+                  <c:v>asia</c:v>
+                </c:pt>
+              </c:strCache>
+            </c:strRef>
+          </c:tx>
+          <c:invertIfNegative val="0"/>
+          <c:cat>
+            <c:strRef>
+              <c:f>Sheet1!$A$2:$A$4</c:f>
+              <c:strCache>
+                <c:ptCount val="3"/>
+                <c:pt idx="0">
+                  <c:v>Y2003</c:v>
+                </c:pt>
+                <c:pt idx="1">
+                  <c:v>Y2004</c:v>
+                </c:pt>
+                <c:pt idx="2">
+                  <c:v>Y2005</c:v>
+                </c:pt>
+              </c:strCache>
+            </c:strRef>
+          </c:cat>
+          <c:val>
+            <c:numRef>
+              <c:f>Sheet1!$D$2:$D$4</c:f>
+              <c:numCache>
+                <c:formatCode>General</c:formatCode>
+                <c:ptCount val="3"/>
+                <c:pt idx="0">
+                  <c:v>2.1</c:v>
+                </c:pt>
+                <c:pt idx="1">
+                  <c:v>2.2</c:v>
+                </c:pt>
+                <c:pt idx="2">
+                  <c:v>2.4</c:v>
+                </c:pt>
+              </c:numCache>
+            </c:numRef>
+          </c:val>
+          <c:spPr>
+            <a:solidFill>
+              <a:srgbClr val="0000ff"/>
+            </a:solidFill>
+          </c:spPr>
+        </c:ser>
+        <c:ser>
+          <c:idx val="3"/>
+          <c:order val="3"/>
+          <c:tx>
+            <c:strRef>
+              <c:f>Sheet1!$E$1</c:f>
+              <c:strCache>
+                <c:ptCount val="1"/>
+                <c:pt idx="0">
+                  <c:v>lamerica</c:v>
+                </c:pt>
+              </c:strCache>
+            </c:strRef>
+          </c:tx>
+          <c:invertIfNegative val="0"/>
+          <c:cat>
+            <c:strRef>
+              <c:f>Sheet1!$A$2:$A$4</c:f>
+              <c:strCache>
+                <c:ptCount val="3"/>
+                <c:pt idx="0">
+                  <c:v>Y2003</c:v>
+                </c:pt>
+                <c:pt idx="1">
+                  <c:v>Y2004</c:v>
+                </c:pt>
+                <c:pt idx="2">
+                  <c:v>Y2005</c:v>
+                </c:pt>
+              </c:strCache>
+            </c:strRef>
+          </c:cat>
+          <c:val>
+            <c:numRef>
+              <c:f>Sheet1!$E$2:$E$4</c:f>
+              <c:numCache>
+                <c:formatCode>General</c:formatCode>
+                <c:ptCount val="3"/>
+                <c:pt idx="0">
+                  <c:v>0.3</c:v>
+                </c:pt>
+                <c:pt idx="1">
+                  <c:v>0.3</c:v>
+                </c:pt>
+                <c:pt idx="2">
+                  <c:v>0.3</c:v>
+                </c:pt>
+              </c:numCache>
+            </c:numRef>
+          </c:val>
+          <c:spPr>
+            <a:solidFill>
+              <a:srgbClr val="ffff00"/>
+            </a:solidFill>
+          </c:spPr>
+        </c:ser>
+        <c:ser>
+          <c:idx val="4"/>
+          <c:order val="4"/>
+          <c:tx>
+            <c:strRef>
+              <c:f>Sheet1!$F$1</c:f>
+              <c:strCache>
+                <c:ptCount val="1"/>
+                <c:pt idx="0">
+                  <c:v>meast</c:v>
+                </c:pt>
+              </c:strCache>
+            </c:strRef>
+          </c:tx>
+          <c:invertIfNegative val="0"/>
+          <c:cat>
+            <c:strRef>
+              <c:f>Sheet1!$A$2:$A$4</c:f>
+              <c:strCache>
+                <c:ptCount val="3"/>
+                <c:pt idx="0">
+                  <c:v>Y2003</c:v>
+                </c:pt>
+                <c:pt idx="1">
+                  <c:v>Y2004</c:v>
+                </c:pt>
+                <c:pt idx="2">
+                  <c:v>Y2005</c:v>
+                </c:pt>
+              </c:strCache>
+            </c:strRef>
+          </c:cat>
+          <c:val>
+            <c:numRef>
+              <c:f>Sheet1!$F$2:$F$4</c:f>
+              <c:numCache>
+                <c:formatCode>General</c:formatCode>
+                <c:ptCount val="3"/>
+                <c:pt idx="0">
+                  <c:v>0.2</c:v>
+                </c:pt>
+                <c:pt idx="1">
+                  <c:v>0.3</c:v>
+                </c:pt>
+                <c:pt idx="2">
+                  <c:v>0.3</c:v>
+                </c:pt>
+              </c:numCache>
+            </c:numRef>
+          </c:val>
+          <c:spPr>
+            <a:solidFill>
+              <a:srgbClr val="ff00ff"/>
+            </a:solidFill>
+          </c:spPr>
+        </c:ser>
+        <c:ser>
+          <c:idx val="5"/>
+          <c:order val="5"/>
+          <c:tx>
+            <c:strRef>
+              <c:f>Sheet1!$G$1</c:f>
+              <c:strCache>
+                <c:ptCount val="1"/>
+                <c:pt idx="0">
+                  <c:v>africa</c:v>
+                </c:pt>
+              </c:strCache>
+            </c:strRef>
+          </c:tx>
+          <c:invertIfNegative val="0"/>
+          <c:cat>
+            <c:strRef>
+              <c:f>Sheet1!$A$2:$A$4</c:f>
+              <c:strCache>
+                <c:ptCount val="3"/>
+                <c:pt idx="0">
+                  <c:v>Y2003</c:v>
+                </c:pt>
+                <c:pt idx="1">
+                  <c:v>Y2004</c:v>
+                </c:pt>
+                <c:pt idx="2">
+                  <c:v>Y2005</c:v>
+                </c:pt>
+              </c:strCache>
+            </c:strRef>
+          </c:cat>
+          <c:val>
+            <c:numRef>
+              <c:f>Sheet1!$G$2:$G$4</c:f>
+              <c:numCache>
+                <c:formatCode>General</c:formatCode>
+                <c:ptCount val="3"/>
+                <c:pt idx="0">
+                  <c:v>0.1</c:v>
+                </c:pt>
+                <c:pt idx="1">
+                  <c:v>0.1</c:v>
+                </c:pt>
+                <c:pt idx="2">
+                  <c:v>0.1</c:v>
+                </c:pt>
+              </c:numCache>
+            </c:numRef>
+          </c:val>
+          <c:spPr>
+            <a:solidFill>
+              <a:srgbClr val="00ffff"/>
+            </a:solidFill>
+          </c:spPr>
+        </c:ser>
+      </c:lineChart>
+      <c:catAx>
+        <c:axId val="64451712"/>
+        <c:scaling>
+          <c:orientation val="minMax"/>
+        </c:scaling>
+        <c:axPos val="l"/>
+        <c:tickLblPos val="nextTo"/>
+        <c:crossAx val="64453248"/>
+        <c:crosses val="autoZero"/>
+        <c:auto val="1"/>
+        <c:lblAlgn val="ctr"/>
+        <c:lblOffset val="100"/>
+      </c:catAx>
+      <c:valAx>
+        <c:axId val="64453248"/>
+        <c:scaling>
+          <c:orientation val="minMax"/>
+        </c:scaling>
+        <c:axPos val="b"/>
+        <c:numFmt formatCode="General" sourceLinked="1"/>
+        <c:tickLblPos val="nextTo"/>
+        <c:crossAx val="64451712"/>
+        <c:crosses val="autoZero"/>
+        <c:crossBetween val="between"/>
+      </c:valAx>
+    </c:plotArea>
+    <c:legend>
+      <c:legendPos val="r"/>
+      <c:layout/>
+    </c:legend>
+    <c:plotVisOnly val="1"/>
+    <c:title>
+      <c:tx>
+        <c:rich>
+          <a:bodyPr/>
+          <a:lstStyle/>
+          <a:p>
+            <a:pPr>
+              <a:defRPr/>
+            </a:pPr>
+            <a:r>
+              <a:rPr lang="en-US" dirty="0" smtClean="0"/>
+              <a:t>line chart</a:t>
+            </a:r>
+            <a:endParaRPr lang="en-US" dirty="0"/>
+          </a:p>
+        </c:rich>
+      </c:tx>
+      <c:layout/>
+      <c:overlay val="0"/>
+    </c:title>
+  </c:chart>
+  <c:txPr>
+    <a:bodyPr/>
+    <a:lstStyle/>
+    <a:p>
+      <a:pPr>
+        <a:defRPr sz="1800"/>
+      </a:pPr>
+      <a:endParaRPr lang="en-US"/>
+    </a:p>
+  </c:txPr>
+  <c:externalData r:id="rId1"/>
+</c:chartSpace>
+</file>
+
+<file path=ppt/charts/chart5.xml><?xml version="1.0" encoding="utf-8"?>
+<c:chartSpace xmlns:c="http://schemas.openxmlformats.org/drawingml/2006/chart" xmlns:a="http://schemas.openxmlformats.org/drawingml/2006/main" xmlns:r="http://schemas.openxmlformats.org/officeDocument/2006/relationships">
+  <c:lang val="en-US"/>
+  <c:date1904 val="1"/>
+  <c:chart>
+    <c:plotArea>
+      <c:layout/>
+      <c:barChart>
+        <c:barDir val="col"/>
+        <c:grouping val="clustered"/>
+        <c:overlap val="50"/>
+        <c:gapWidth val="25"/>
+        <c:axId val="64451712"/>
+        <c:axId val="64453248"/>
+        <c:ser>
+          <c:idx val="0"/>
+          <c:order val="0"/>
+          <c:tx>
+            <c:strRef>
+              <c:f>Sheet1!$B$1</c:f>
+              <c:strCache>
+                <c:ptCount val="1"/>
+                <c:pt idx="0">
+                  <c:v>Income</c:v>
+                </c:pt>
+              </c:strCache>
+            </c:strRef>
+          </c:tx>
+          <c:invertIfNegative val="0"/>
+          <c:cat>
+            <c:strRef>
+              <c:f>Sheet1!$A$2:$A$6</c:f>
+              <c:strCache>
+                <c:ptCount val="5"/>
+                <c:pt idx="0">
+                  <c:v>2005</c:v>
+                </c:pt>
+                <c:pt idx="1">
+                  <c:v>2006</c:v>
+                </c:pt>
+                <c:pt idx="2">
+                  <c:v>2007</c:v>
+                </c:pt>
+                <c:pt idx="3">
+                  <c:v>2008</c:v>
+                </c:pt>
+                <c:pt idx="4">
+                  <c:v>2009</c:v>
+                </c:pt>
+              </c:strCache>
+            </c:strRef>
+          </c:cat>
+          <c:val>
+            <c:numRef>
+              <c:f>Sheet1!$B$2:$B$6</c:f>
+              <c:numCache>
+                <c:formatCode>General</c:formatCode>
+                <c:ptCount val="5"/>
+                <c:pt idx="0">
+                  <c:v>23.5</c:v>
+                </c:pt>
+                <c:pt idx="1">
+                  <c:v>26.2</c:v>
+                </c:pt>
+                <c:pt idx="2">
+                  <c:v>30.1</c:v>
+                </c:pt>
+                <c:pt idx="3">
+                  <c:v>29.5</c:v>
+                </c:pt>
+                <c:pt idx="4">
+                  <c:v>24.6</c:v>
+                </c:pt>
+              </c:numCache>
+            </c:numRef>
+          </c:val>
+          <c:spPr>
+            <a:solidFill>
+              <a:srgbClr val="ff0000"/>
+            </a:solidFill>
+          </c:spPr>
+        </c:ser>
+        <c:ser>
+          <c:idx val="1"/>
+          <c:order val="1"/>
+          <c:tx>
+            <c:strRef>
+              <c:f>Sheet1!$C$1</c:f>
+              <c:strCache>
+                <c:ptCount val="1"/>
+                <c:pt idx="0">
+                  <c:v>Expense</c:v>
+                </c:pt>
+              </c:strCache>
+            </c:strRef>
+          </c:tx>
+          <c:invertIfNegative val="0"/>
+          <c:cat>
+            <c:strRef>
+              <c:f>Sheet1!$A$2:$A$6</c:f>
+              <c:strCache>
+                <c:ptCount val="5"/>
+                <c:pt idx="0">
+                  <c:v>2005</c:v>
+                </c:pt>
+                <c:pt idx="1">
+                  <c:v>2006</c:v>
+                </c:pt>
+                <c:pt idx="2">
+                  <c:v>2007</c:v>
+                </c:pt>
+                <c:pt idx="3">
+                  <c:v>2008</c:v>
+                </c:pt>
+                <c:pt idx="4">
+                  <c:v>2009</c:v>
+                </c:pt>
+              </c:strCache>
+            </c:strRef>
+          </c:cat>
+          <c:val>
+            <c:numRef>
+              <c:f>Sheet1!$C$2:$C$6</c:f>
+              <c:numCache>
+                <c:formatCode>General</c:formatCode>
+                <c:ptCount val="5"/>
+                <c:pt idx="0">
+                  <c:v>18.1</c:v>
+                </c:pt>
+                <c:pt idx="1">
+                  <c:v>22.8</c:v>
+                </c:pt>
+                <c:pt idx="2">
+                  <c:v>23.9</c:v>
+                </c:pt>
+                <c:pt idx="3">
+                  <c:v>25.1</c:v>
+                </c:pt>
+                <c:pt idx="4">
+                  <c:v>25</c:v>
+                </c:pt>
+              </c:numCache>
+            </c:numRef>
+          </c:val>
+          <c:spPr>
+            <a:solidFill>
+              <a:srgbClr val="00ff00"/>
+            </a:solidFill>
+          </c:spPr>
+        </c:ser>
+      </c:barChart>
+      <c:catAx>
+        <c:axId val="64451712"/>
+        <c:scaling>
+          <c:orientation val="minMax"/>
+        </c:scaling>
+        <c:axPos val="l"/>
+        <c:tickLblPos val="nextTo"/>
+        <c:crossAx val="64453248"/>
+        <c:crosses val="autoZero"/>
+        <c:auto val="1"/>
+        <c:lblAlgn val="ctr"/>
+        <c:lblOffset val="100"/>
+      </c:catAx>
+      <c:valAx>
+        <c:axId val="64453248"/>
+        <c:scaling>
+          <c:orientation val="minMax"/>
+          <c:max val="24"/>
+        </c:scaling>
+        <c:axPos val="b"/>
+        <c:numFmt formatCode="$0" sourceLinked="0"/>
+        <c:tickLblPos val="nextTo"/>
+        <c:crossAx val="64451712"/>
+        <c:crosses val="autoZero"/>
+        <c:crossBetween val="between"/>
+      </c:valAx>
+    </c:plotArea>
+    <c:legend>
+      <c:legendPos val="r"/>
+      <c:layout/>
+    </c:legend>
+    <c:plotVisOnly val="1"/>
+    <c:title>
+      <c:tx>
+        <c:rich>
+          <a:bodyPr/>
+          <a:lstStyle/>
+          <a:p>
+            <a:pPr>
+              <a:defRPr/>
+            </a:pPr>
+            <a:r>
+              <a:rPr lang="en-US" dirty="0" smtClean="0"/>
+              <a:t>eSurvey chart</a:t>
+            </a:r>
+            <a:endParaRPr lang="en-US" dirty="0"/>
+          </a:p>
+        </c:rich>
+      </c:tx>
+      <c:layout/>
+      <c:overlay val="0"/>
+    </c:title>
+  </c:chart>
+  <c:txPr>
+    <a:bodyPr/>
+    <a:lstStyle/>
+    <a:p>
+      <a:pPr>
+        <a:defRPr sz="1800"/>
+      </a:pPr>
+      <a:endParaRPr lang="en-US"/>
+    </a:p>
+  </c:txPr>
+  <c:externalData r:id="rId1"/>
+</c:chartSpace>
+</file>
+
+<file path=ppt/charts/chart6.xml><?xml version="1.0" encoding="utf-8"?>
+<c:chartSpace xmlns:c="http://schemas.openxmlformats.org/drawingml/2006/chart" xmlns:a="http://schemas.openxmlformats.org/drawingml/2006/main" xmlns:r="http://schemas.openxmlformats.org/officeDocument/2006/relationships">
+  <c:lang val="en-US"/>
+  <c:chart>
+    <c:plotArea>
+      <c:layout/>
+      <c:lineChart>
+        <c:grouping val="standard"/>
+        <c:axId val="64451712"/>
+        <c:axId val="64453248"/>
+        <c:ser>
+          <c:idx val="0"/>
+          <c:order val="0"/>
+          <c:tx>
+            <c:strRef>
+              <c:f>Sheet1!$B$1</c:f>
+              <c:strCache>
+                <c:ptCount val="1"/>
+                <c:pt idx="0">
+                  <c:v>Income</c:v>
+                </c:pt>
+              </c:strCache>
+            </c:strRef>
+          </c:tx>
+          <c:invertIfNegative val="0"/>
+          <c:cat>
+            <c:strRef>
+              <c:f>Sheet1!$A$2:$A$6</c:f>
+              <c:strCache>
+                <c:ptCount val="5"/>
+                <c:pt idx="0">
+                  <c:v>2005</c:v>
+                </c:pt>
+                <c:pt idx="1">
+                  <c:v>2006</c:v>
+                </c:pt>
+                <c:pt idx="2">
+                  <c:v>2007</c:v>
+                </c:pt>
+                <c:pt idx="3">
+                  <c:v>2008</c:v>
+                </c:pt>
+                <c:pt idx="4">
+                  <c:v>2009</c:v>
+                </c:pt>
+              </c:strCache>
+            </c:strRef>
+          </c:cat>
+          <c:val>
+            <c:numRef>
+              <c:f>Sheet1!$B$2:$B$6</c:f>
+              <c:numCache>
+                <c:formatCode>General</c:formatCode>
+                <c:ptCount val="5"/>
+                <c:pt idx="0">
+                  <c:v>23.5</c:v>
+                </c:pt>
+                <c:pt idx="1">
+                  <c:v>26.2</c:v>
+                </c:pt>
+                <c:pt idx="2">
+                  <c:v>30.1</c:v>
+                </c:pt>
+                <c:pt idx="3">
+                  <c:v>29.5</c:v>
+                </c:pt>
+                <c:pt idx="4">
+                  <c:v>24.6</c:v>
+                </c:pt>
+              </c:numCache>
+            </c:numRef>
+          </c:val>
+          <c:spPr>
+            <a:solidFill>
+              <a:srgbClr val="ff0000"/>
+            </a:solidFill>
+          </c:spPr>
+        </c:ser>
+        <c:ser>
+          <c:idx val="1"/>
+          <c:order val="1"/>
+          <c:tx>
+            <c:strRef>
+              <c:f>Sheet1!$C$1</c:f>
+              <c:strCache>
+                <c:ptCount val="1"/>
+                <c:pt idx="0">
+                  <c:v>Expense</c:v>
+                </c:pt>
+              </c:strCache>
+            </c:strRef>
+          </c:tx>
+          <c:invertIfNegative val="0"/>
+          <c:cat>
+            <c:strRef>
+              <c:f>Sheet1!$A$2:$A$6</c:f>
+              <c:strCache>
+                <c:ptCount val="5"/>
+                <c:pt idx="0">
+                  <c:v>2005</c:v>
+                </c:pt>
+                <c:pt idx="1">
+                  <c:v>2006</c:v>
+                </c:pt>
+                <c:pt idx="2">
+                  <c:v>2007</c:v>
+                </c:pt>
+                <c:pt idx="3">
+                  <c:v>2008</c:v>
+                </c:pt>
+                <c:pt idx="4">
+                  <c:v>2009</c:v>
+                </c:pt>
+              </c:strCache>
+            </c:strRef>
+          </c:cat>
+          <c:val>
+            <c:numRef>
+              <c:f>Sheet1!$C$2:$C$6</c:f>
+              <c:numCache>
+                <c:formatCode>General</c:formatCode>
+                <c:ptCount val="5"/>
+                <c:pt idx="0">
+                  <c:v>18.1</c:v>
+                </c:pt>
+                <c:pt idx="1">
+                  <c:v>22.8</c:v>
+                </c:pt>
+                <c:pt idx="2">
+                  <c:v>23.9</c:v>
+                </c:pt>
+                <c:pt idx="3">
+                  <c:v>25.1</c:v>
+                </c:pt>
+                <c:pt idx="4">
+                  <c:v>25</c:v>
+                </c:pt>
+              </c:numCache>
+            </c:numRef>
+          </c:val>
+          <c:spPr>
+            <a:solidFill>
+              <a:srgbClr val="00ff00"/>
+            </a:solidFill>
+          </c:spPr>
+        </c:ser>
+      </c:lineChart>
+      <c:catAx>
+        <c:axId val="64451712"/>
+        <c:scaling>
+          <c:orientation val="minMax"/>
+        </c:scaling>
+        <c:axPos val="l"/>
+        <c:tickLblPos val="nextTo"/>
+        <c:crossAx val="64453248"/>
+        <c:crosses val="autoZero"/>
+        <c:auto val="1"/>
+        <c:lblAlgn val="ctr"/>
+        <c:lblOffset val="100"/>
+      </c:catAx>
+      <c:valAx>
+        <c:axId val="64453248"/>
+        <c:scaling>
+          <c:orientation val="minMax"/>
+          <c:max val="24"/>
+        </c:scaling>
+        <c:axPos val="b"/>
+        <c:numFmt formatCode="$0" sourceLinked="0"/>
+        <c:tickLblPos val="nextTo"/>
+        <c:crossAx val="64451712"/>
+        <c:crosses val="autoZero"/>
+        <c:crossBetween val="between"/>
+      </c:valAx>
+    </c:plotArea>
+    <c:legend>
+      <c:legendPos val="r"/>
+      <c:layout/>
+    </c:legend>
+    <c:plotVisOnly val="1"/>
+    <c:title>
+      <c:tx>
+        <c:rich>
+          <a:bodyPr/>
+          <a:lstStyle/>
+          <a:p>
+            <a:pPr>
+              <a:defRPr/>
+            </a:pPr>
+            <a:r>
+              <a:rPr lang="en-US" dirty="0" smtClean="0"/>
+              <a:t>eSurvey chart</a:t>
+            </a:r>
+            <a:endParaRPr lang="en-US" dirty="0"/>
+          </a:p>
+        </c:rich>
+      </c:tx>
+      <c:layout/>
+      <c:overlay val="0"/>
+    </c:title>
+  </c:chart>
+  <c:txPr>
+    <a:bodyPr/>
+    <a:lstStyle/>
+    <a:p>
+      <a:pPr>
+        <a:defRPr sz="1800"/>
+      </a:pPr>
+      <a:endParaRPr lang="en-US"/>
+    </a:p>
+  </c:txPr>
+  <c:externalData r:id="rId1"/>
+</c:chartSpace>
+</file>
+
+<file path=ppt/charts/chart7.xml><?xml version="1.0" encoding="utf-8"?>
+<c:chartSpace xmlns:c="http://schemas.openxmlformats.org/drawingml/2006/chart" xmlns:a="http://schemas.openxmlformats.org/drawingml/2006/main" xmlns:r="http://schemas.openxmlformats.org/officeDocument/2006/relationships">
+  <c:lang val="en-US"/>
+  <c:date1904 val="1"/>
+  <c:chart>
+    <c:plotArea>
+      <c:layout/>
+      <c:barChart>
+        <c:barDir val="col"/>
+        <c:grouping val="stacked"/>
+        <c:overlap val="100"/>
+        <c:gapWidth val="25"/>
+        <c:axId val="64451712"/>
+        <c:axId val="64453248"/>
+        <c:ser>
+          <c:idx val="0"/>
+          <c:order val="0"/>
+          <c:tx>
+            <c:strRef>
+              <c:f>Sheet1!$B$1</c:f>
+              <c:strCache>
+                <c:ptCount val="1"/>
+                <c:pt idx="0">
+                  <c:v>europe</c:v>
+                </c:pt>
+              </c:strCache>
+            </c:strRef>
+          </c:tx>
+          <c:invertIfNegative val="0"/>
+          <c:cat>
+            <c:strRef>
+              <c:f>Sheet1!$A$2:$A$4</c:f>
+              <c:strCache>
+                <c:ptCount val="3"/>
+                <c:pt idx="0">
+                  <c:v>Y2003</c:v>
+                </c:pt>
+                <c:pt idx="1">
+                  <c:v>Y2004</c:v>
+                </c:pt>
+                <c:pt idx="2">
+                  <c:v>Y2005</c:v>
+                </c:pt>
+              </c:strCache>
+            </c:strRef>
+          </c:cat>
+          <c:val>
+            <c:numRef>
+              <c:f>Sheet1!$B$2:$B$4</c:f>
+              <c:numCache>
+                <c:formatCode>General</c:formatCode>
+                <c:ptCount val="3"/>
+                <c:pt idx="0">
+                  <c:v>2.5</c:v>
+                </c:pt>
+                <c:pt idx="1">
+                  <c:v>2.6</c:v>
+                </c:pt>
+                <c:pt idx="2">
+                  <c:v>2.8</c:v>
+                </c:pt>
+              </c:numCache>
+            </c:numRef>
+          </c:val>
+          <c:spPr>
+            <a:solidFill>
+              <a:srgbClr val="ff0000"/>
+            </a:solidFill>
+          </c:spPr>
+        </c:ser>
+        <c:ser>
+          <c:idx val="1"/>
+          <c:order val="1"/>
+          <c:tx>
+            <c:strRef>
+              <c:f>Sheet1!$C$1</c:f>
+              <c:strCache>
+                <c:ptCount val="1"/>
+                <c:pt idx="0">
+                  <c:v>namerica</c:v>
+                </c:pt>
+              </c:strCache>
+            </c:strRef>
+          </c:tx>
+          <c:invertIfNegative val="0"/>
+          <c:cat>
+            <c:strRef>
+              <c:f>Sheet1!$A$2:$A$4</c:f>
+              <c:strCache>
+                <c:ptCount val="3"/>
+                <c:pt idx="0">
+                  <c:v>Y2003</c:v>
+                </c:pt>
+                <c:pt idx="1">
+                  <c:v>Y2004</c:v>
+                </c:pt>
+                <c:pt idx="2">
+                  <c:v>Y2005</c:v>
+                </c:pt>
+              </c:strCache>
+            </c:strRef>
+          </c:cat>
+          <c:val>
+            <c:numRef>
+              <c:f>Sheet1!$C$2:$C$4</c:f>
+              <c:numCache>
+                <c:formatCode>General</c:formatCode>
+                <c:ptCount val="3"/>
+                <c:pt idx="0">
+                  <c:v>2.5</c:v>
+                </c:pt>
+                <c:pt idx="1">
+                  <c:v>2.7</c:v>
+                </c:pt>
+                <c:pt idx="2">
+                  <c:v>2.9</c:v>
+                </c:pt>
+              </c:numCache>
+            </c:numRef>
+          </c:val>
+          <c:spPr>
+            <a:solidFill>
+              <a:srgbClr val="00ff00"/>
+            </a:solidFill>
+          </c:spPr>
+        </c:ser>
+        <c:ser>
+          <c:idx val="2"/>
+          <c:order val="2"/>
+          <c:tx>
+            <c:strRef>
+              <c:f>Sheet1!$D$1</c:f>
+              <c:strCache>
+                <c:ptCount val="1"/>
+                <c:pt idx="0">
+                  <c:v>asia</c:v>
+                </c:pt>
+              </c:strCache>
+            </c:strRef>
+          </c:tx>
+          <c:invertIfNegative val="0"/>
+          <c:cat>
+            <c:strRef>
+              <c:f>Sheet1!$A$2:$A$4</c:f>
+              <c:strCache>
+                <c:ptCount val="3"/>
+                <c:pt idx="0">
+                  <c:v>Y2003</c:v>
+                </c:pt>
+                <c:pt idx="1">
+                  <c:v>Y2004</c:v>
+                </c:pt>
+                <c:pt idx="2">
+                  <c:v>Y2005</c:v>
+                </c:pt>
+              </c:strCache>
+            </c:strRef>
+          </c:cat>
+          <c:val>
+            <c:numRef>
+              <c:f>Sheet1!$D$2:$D$4</c:f>
+              <c:numCache>
+                <c:formatCode>General</c:formatCode>
+                <c:ptCount val="3"/>
+                <c:pt idx="0">
+                  <c:v>2.1</c:v>
+                </c:pt>
+                <c:pt idx="1">
+                  <c:v>2.2</c:v>
+                </c:pt>
+                <c:pt idx="2">
+                  <c:v>2.4</c:v>
+                </c:pt>
+              </c:numCache>
+            </c:numRef>
+          </c:val>
+          <c:spPr>
+            <a:solidFill>
+              <a:srgbClr val="0000ff"/>
+            </a:solidFill>
+          </c:spPr>
+        </c:ser>
+        <c:ser>
+          <c:idx val="3"/>
+          <c:order val="3"/>
+          <c:tx>
+            <c:strRef>
+              <c:f>Sheet1!$E$1</c:f>
+              <c:strCache>
+                <c:ptCount val="1"/>
+                <c:pt idx="0">
+                  <c:v>lamerica</c:v>
+                </c:pt>
+              </c:strCache>
+            </c:strRef>
+          </c:tx>
+          <c:invertIfNegative val="0"/>
+          <c:cat>
+            <c:strRef>
+              <c:f>Sheet1!$A$2:$A$4</c:f>
+              <c:strCache>
+                <c:ptCount val="3"/>
+                <c:pt idx="0">
+                  <c:v>Y2003</c:v>
+                </c:pt>
+                <c:pt idx="1">
+                  <c:v>Y2004</c:v>
+                </c:pt>
+                <c:pt idx="2">
+                  <c:v>Y2005</c:v>
+                </c:pt>
+              </c:strCache>
+            </c:strRef>
+          </c:cat>
+          <c:val>
+            <c:numRef>
+              <c:f>Sheet1!$E$2:$E$4</c:f>
+              <c:numCache>
+                <c:formatCode>General</c:formatCode>
+                <c:ptCount val="3"/>
+                <c:pt idx="0">
+                  <c:v>0.3</c:v>
+                </c:pt>
+                <c:pt idx="1">
+                  <c:v>0.3</c:v>
+                </c:pt>
+                <c:pt idx="2">
+                  <c:v>0.3</c:v>
+                </c:pt>
+              </c:numCache>
+            </c:numRef>
+          </c:val>
+          <c:spPr>
+            <a:solidFill>
+              <a:srgbClr val="ffff00"/>
+            </a:solidFill>
+          </c:spPr>
+        </c:ser>
+        <c:ser>
+          <c:idx val="4"/>
+          <c:order val="4"/>
+          <c:tx>
+            <c:strRef>
+              <c:f>Sheet1!$F$1</c:f>
+              <c:strCache>
+                <c:ptCount val="1"/>
+                <c:pt idx="0">
+                  <c:v>meast</c:v>
+                </c:pt>
+              </c:strCache>
+            </c:strRef>
+          </c:tx>
+          <c:invertIfNegative val="0"/>
+          <c:cat>
+            <c:strRef>
+              <c:f>Sheet1!$A$2:$A$4</c:f>
+              <c:strCache>
+                <c:ptCount val="3"/>
+                <c:pt idx="0">
+                  <c:v>Y2003</c:v>
+                </c:pt>
+                <c:pt idx="1">
+                  <c:v>Y2004</c:v>
+                </c:pt>
+                <c:pt idx="2">
+                  <c:v>Y2005</c:v>
+                </c:pt>
+              </c:strCache>
+            </c:strRef>
+          </c:cat>
+          <c:val>
+            <c:numRef>
+              <c:f>Sheet1!$F$2:$F$4</c:f>
+              <c:numCache>
+                <c:formatCode>General</c:formatCode>
+                <c:ptCount val="3"/>
+                <c:pt idx="0">
+                  <c:v>0.2</c:v>
+                </c:pt>
+                <c:pt idx="1">
+                  <c:v>0.3</c:v>
+                </c:pt>
+                <c:pt idx="2">
+                  <c:v>0.3</c:v>
+                </c:pt>
+              </c:numCache>
+            </c:numRef>
+          </c:val>
+          <c:spPr>
+            <a:solidFill>
+              <a:srgbClr val="ff00ff"/>
+            </a:solidFill>
+          </c:spPr>
+        </c:ser>
+        <c:ser>
+          <c:idx val="5"/>
+          <c:order val="5"/>
+          <c:tx>
+            <c:strRef>
+              <c:f>Sheet1!$G$1</c:f>
+              <c:strCache>
+                <c:ptCount val="1"/>
+                <c:pt idx="0">
+                  <c:v>africa</c:v>
+                </c:pt>
+              </c:strCache>
+            </c:strRef>
+          </c:tx>
+          <c:invertIfNegative val="0"/>
+          <c:cat>
+            <c:strRef>
+              <c:f>Sheet1!$A$2:$A$4</c:f>
+              <c:strCache>
+                <c:ptCount val="3"/>
+                <c:pt idx="0">
+                  <c:v>Y2003</c:v>
+                </c:pt>
+                <c:pt idx="1">
+                  <c:v>Y2004</c:v>
+                </c:pt>
+                <c:pt idx="2">
+                  <c:v>Y2005</c:v>
+                </c:pt>
+              </c:strCache>
+            </c:strRef>
+          </c:cat>
+          <c:val>
+            <c:numRef>
+              <c:f>Sheet1!$G$2:$G$4</c:f>
+              <c:numCache>
+                <c:formatCode>General</c:formatCode>
+                <c:ptCount val="3"/>
+                <c:pt idx="0">
+                  <c:v>0.1</c:v>
+                </c:pt>
+                <c:pt idx="1">
+                  <c:v>0.1</c:v>
+                </c:pt>
+                <c:pt idx="2">
+                  <c:v>0.1</c:v>
+                </c:pt>
+              </c:numCache>
+            </c:numRef>
+          </c:val>
+          <c:spPr>
+            <a:solidFill>
+              <a:srgbClr val="00ffff"/>
+            </a:solidFill>
+          </c:spPr>
+        </c:ser>
+      </c:barChart>
+      <c:catAx>
+        <c:axId val="64451712"/>
+        <c:scaling>
+          <c:orientation val="minMax"/>
+        </c:scaling>
+        <c:axPos val="l"/>
+        <c:tickLblPos val="nextTo"/>
+        <c:crossAx val="64453248"/>
+        <c:crosses val="autoZero"/>
+        <c:auto val="1"/>
+        <c:lblAlgn val="ctr"/>
+        <c:lblOffset val="100"/>
+      </c:catAx>
+      <c:valAx>
+        <c:axId val="64453248"/>
+        <c:scaling>
+          <c:orientation val="minMax"/>
+          <c:max val="24"/>
+        </c:scaling>
+        <c:axPos val="b"/>
+        <c:numFmt formatCode="$0" sourceLinked="0"/>
+        <c:tickLblPos val="nextTo"/>
+        <c:crossAx val="64451712"/>
+        <c:crosses val="autoZero"/>
+        <c:crossBetween val="between"/>
+      </c:valAx>
+    </c:plotArea>
+    <c:legend>
+      <c:legendPos val="r"/>
+      <c:layout/>
+    </c:legend>
+    <c:plotVisOnly val="1"/>
+    <c:title>
+      <c:tx>
+        <c:rich>
+          <a:bodyPr/>
+          <a:lstStyle/>
+          <a:p>
+            <a:pPr>
+              <a:defRPr/>
+            </a:pPr>
+            <a:r>
+              <a:rPr lang="en-US" dirty="0" smtClean="0"/>
+              <a:t>eSurvey chart</a:t>
+            </a:r>
+            <a:endParaRPr lang="en-US" dirty="0"/>
+          </a:p>
+        </c:rich>
+      </c:tx>
+      <c:layout/>
+      <c:overlay val="0"/>
+    </c:title>
+  </c:chart>
+  <c:txPr>
+    <a:bodyPr/>
+    <a:lstStyle/>
+    <a:p>
+      <a:pPr>
+        <a:defRPr sz="1800"/>
+      </a:pPr>
+      <a:endParaRPr lang="en-US"/>
+    </a:p>
+  </c:txPr>
+  <c:externalData r:id="rId1"/>
+</c:chartSpace>
+</file>
+
+<file path=ppt/charts/chart8.xml><?xml version="1.0" encoding="utf-8"?>
+<c:chartSpace xmlns:c="http://schemas.openxmlformats.org/drawingml/2006/chart" xmlns:a="http://schemas.openxmlformats.org/drawingml/2006/main" xmlns:r="http://schemas.openxmlformats.org/officeDocument/2006/relationships">
+  <c:lang val="en-US"/>
+  <c:chart>
+    <c:plotArea>
+      <c:layout/>
+      <c:barChart>
+        <c:barDir val="bar"/>
+        <c:grouping val="clustered"/>
+        <c:axId val="64451712"/>
+        <c:axId val="64453248"/>
+        <c:ser>
+          <c:idx val="0"/>
+          <c:order val="0"/>
+          <c:tx>
+            <c:strRef>
+              <c:f>Sheet1!$B$1</c:f>
+              <c:strCache>
+                <c:ptCount val="1"/>
+                <c:pt idx="0">
+                  <c:v>europe</c:v>
+                </c:pt>
+              </c:strCache>
+            </c:strRef>
+          </c:tx>
+          <c:invertIfNegative val="0"/>
+          <c:cat>
+            <c:strRef>
+              <c:f>Sheet1!$A$2:$A$4</c:f>
+              <c:strCache>
+                <c:ptCount val="3"/>
+                <c:pt idx="0">
+                  <c:v>Y2003</c:v>
+                </c:pt>
+                <c:pt idx="1">
+                  <c:v>Y2004</c:v>
+                </c:pt>
+                <c:pt idx="2">
+                  <c:v>Y2005</c:v>
+                </c:pt>
+              </c:strCache>
+            </c:strRef>
+          </c:cat>
+          <c:val>
+            <c:numRef>
+              <c:f>Sheet1!$B$2:$B$4</c:f>
+              <c:numCache>
+                <c:formatCode>General</c:formatCode>
+                <c:ptCount val="3"/>
+                <c:pt idx="0">
+                  <c:v>2.5</c:v>
+                </c:pt>
+                <c:pt idx="1">
+                  <c:v>2.6</c:v>
+                </c:pt>
+                <c:pt idx="2">
+                  <c:v>2.8</c:v>
+                </c:pt>
+              </c:numCache>
+            </c:numRef>
+          </c:val>
+          <c:spPr>
+            <a:solidFill>
+              <a:srgbClr val="ff0000"/>
+            </a:solidFill>
+          </c:spPr>
+        </c:ser>
+        <c:ser>
+          <c:idx val="1"/>
+          <c:order val="1"/>
+          <c:tx>
+            <c:strRef>
+              <c:f>Sheet1!$C$1</c:f>
+              <c:strCache>
+                <c:ptCount val="1"/>
+                <c:pt idx="0">
+                  <c:v>namerica</c:v>
+                </c:pt>
+              </c:strCache>
+            </c:strRef>
+          </c:tx>
+          <c:invertIfNegative val="0"/>
+          <c:cat>
+            <c:strRef>
+              <c:f>Sheet1!$A$2:$A$4</c:f>
+              <c:strCache>
+                <c:ptCount val="3"/>
+                <c:pt idx="0">
+                  <c:v>Y2003</c:v>
+                </c:pt>
+                <c:pt idx="1">
+                  <c:v>Y2004</c:v>
+                </c:pt>
+                <c:pt idx="2">
+                  <c:v>Y2005</c:v>
+                </c:pt>
+              </c:strCache>
+            </c:strRef>
+          </c:cat>
+          <c:val>
+            <c:numRef>
+              <c:f>Sheet1!$C$2:$C$4</c:f>
+              <c:numCache>
+                <c:formatCode>General</c:formatCode>
+                <c:ptCount val="3"/>
+                <c:pt idx="0">
+                  <c:v>2.5</c:v>
+                </c:pt>
+                <c:pt idx="1">
+                  <c:v>2.7</c:v>
+                </c:pt>
+                <c:pt idx="2">
+                  <c:v>2.9</c:v>
+                </c:pt>
+              </c:numCache>
+            </c:numRef>
+          </c:val>
+          <c:spPr>
+            <a:solidFill>
+              <a:srgbClr val="00ff00"/>
+            </a:solidFill>
+          </c:spPr>
+        </c:ser>
+        <c:ser>
+          <c:idx val="2"/>
+          <c:order val="2"/>
+          <c:tx>
+            <c:strRef>
+              <c:f>Sheet1!$D$1</c:f>
+              <c:strCache>
+                <c:ptCount val="1"/>
+                <c:pt idx="0">
+                  <c:v>asia</c:v>
+                </c:pt>
+              </c:strCache>
+            </c:strRef>
+          </c:tx>
+          <c:invertIfNegative val="0"/>
+          <c:cat>
+            <c:strRef>
+              <c:f>Sheet1!$A$2:$A$4</c:f>
+              <c:strCache>
+                <c:ptCount val="3"/>
+                <c:pt idx="0">
+                  <c:v>Y2003</c:v>
+                </c:pt>
+                <c:pt idx="1">
+                  <c:v>Y2004</c:v>
+                </c:pt>
+                <c:pt idx="2">
+                  <c:v>Y2005</c:v>
+                </c:pt>
+              </c:strCache>
+            </c:strRef>
+          </c:cat>
+          <c:val>
+            <c:numRef>
+              <c:f>Sheet1!$D$2:$D$4</c:f>
+              <c:numCache>
+                <c:formatCode>General</c:formatCode>
+                <c:ptCount val="3"/>
+                <c:pt idx="0">
+                  <c:v>2.1</c:v>
+                </c:pt>
+                <c:pt idx="1">
+                  <c:v>2.2</c:v>
+                </c:pt>
+                <c:pt idx="2">
+                  <c:v>2.4</c:v>
+                </c:pt>
+              </c:numCache>
+            </c:numRef>
+          </c:val>
+          <c:spPr>
+            <a:solidFill>
+              <a:srgbClr val="0000ff"/>
+            </a:solidFill>
+          </c:spPr>
+        </c:ser>
+        <c:ser>
+          <c:idx val="3"/>
+          <c:order val="3"/>
+          <c:tx>
+            <c:strRef>
+              <c:f>Sheet1!$E$1</c:f>
+              <c:strCache>
+                <c:ptCount val="1"/>
+                <c:pt idx="0">
+                  <c:v>lamerica</c:v>
+                </c:pt>
+              </c:strCache>
+            </c:strRef>
+          </c:tx>
+          <c:invertIfNegative val="0"/>
+          <c:cat>
+            <c:strRef>
+              <c:f>Sheet1!$A$2:$A$4</c:f>
+              <c:strCache>
+                <c:ptCount val="3"/>
+                <c:pt idx="0">
+                  <c:v>Y2003</c:v>
+                </c:pt>
+                <c:pt idx="1">
+                  <c:v>Y2004</c:v>
+                </c:pt>
+                <c:pt idx="2">
+                  <c:v>Y2005</c:v>
+                </c:pt>
+              </c:strCache>
+            </c:strRef>
+          </c:cat>
+          <c:val>
+            <c:numRef>
+              <c:f>Sheet1!$E$2:$E$4</c:f>
+              <c:numCache>
+                <c:formatCode>General</c:formatCode>
+                <c:ptCount val="3"/>
+                <c:pt idx="0">
+                  <c:v>0.3</c:v>
+                </c:pt>
+                <c:pt idx="1">
+                  <c:v>0.3</c:v>
+                </c:pt>
+                <c:pt idx="2">
+                  <c:v>0.3</c:v>
+                </c:pt>
+              </c:numCache>
+            </c:numRef>
+          </c:val>
+          <c:spPr>
+            <a:solidFill>
+              <a:srgbClr val="ffff00"/>
+            </a:solidFill>
+          </c:spPr>
+        </c:ser>
+        <c:ser>
+          <c:idx val="4"/>
+          <c:order val="4"/>
+          <c:tx>
+            <c:strRef>
+              <c:f>Sheet1!$F$1</c:f>
+              <c:strCache>
+                <c:ptCount val="1"/>
+                <c:pt idx="0">
+                  <c:v>meast</c:v>
+                </c:pt>
+              </c:strCache>
+            </c:strRef>
+          </c:tx>
+          <c:invertIfNegative val="0"/>
+          <c:cat>
+            <c:strRef>
+              <c:f>Sheet1!$A$2:$A$4</c:f>
+              <c:strCache>
+                <c:ptCount val="3"/>
+                <c:pt idx="0">
+                  <c:v>Y2003</c:v>
+                </c:pt>
+                <c:pt idx="1">
+                  <c:v>Y2004</c:v>
+                </c:pt>
+                <c:pt idx="2">
+                  <c:v>Y2005</c:v>
+                </c:pt>
+              </c:strCache>
+            </c:strRef>
+          </c:cat>
+          <c:val>
+            <c:numRef>
+              <c:f>Sheet1!$F$2:$F$4</c:f>
+              <c:numCache>
+                <c:formatCode>General</c:formatCode>
+                <c:ptCount val="3"/>
+                <c:pt idx="0">
+                  <c:v>0.2</c:v>
+                </c:pt>
+                <c:pt idx="1">
+                  <c:v>0.3</c:v>
+                </c:pt>
+                <c:pt idx="2">
+                  <c:v>0.3</c:v>
+                </c:pt>
+              </c:numCache>
+            </c:numRef>
+          </c:val>
+          <c:spPr>
+            <a:solidFill>
+              <a:srgbClr val="ff00ff"/>
+            </a:solidFill>
+          </c:spPr>
+        </c:ser>
+        <c:ser>
+          <c:idx val="5"/>
+          <c:order val="5"/>
+          <c:tx>
+            <c:strRef>
+              <c:f>Sheet1!$G$1</c:f>
+              <c:strCache>
+                <c:ptCount val="1"/>
+                <c:pt idx="0">
+                  <c:v>africa</c:v>
+                </c:pt>
+              </c:strCache>
+            </c:strRef>
+          </c:tx>
+          <c:invertIfNegative val="0"/>
+          <c:cat>
+            <c:strRef>
+              <c:f>Sheet1!$A$2:$A$4</c:f>
+              <c:strCache>
+                <c:ptCount val="3"/>
+                <c:pt idx="0">
+                  <c:v>Y2003</c:v>
+                </c:pt>
+                <c:pt idx="1">
+                  <c:v>Y2004</c:v>
+                </c:pt>
+                <c:pt idx="2">
+                  <c:v>Y2005</c:v>
+                </c:pt>
+              </c:strCache>
+            </c:strRef>
+          </c:cat>
+          <c:val>
+            <c:numRef>
+              <c:f>Sheet1!$G$2:$G$4</c:f>
+              <c:numCache>
+                <c:formatCode>General</c:formatCode>
+                <c:ptCount val="3"/>
+                <c:pt idx="0">
+                  <c:v>0.1</c:v>
+                </c:pt>
+                <c:pt idx="1">
+                  <c:v>0.1</c:v>
+                </c:pt>
+                <c:pt idx="2">
+                  <c:v>0.1</c:v>
+                </c:pt>
+              </c:numCache>
+            </c:numRef>
+          </c:val>
+          <c:spPr>
+            <a:solidFill>
+              <a:srgbClr val="00ffff"/>
+            </a:solidFill>
+          </c:spPr>
+        </c:ser>
+      </c:barChart>
+      <c:catAx>
+        <c:axId val="64451712"/>
+        <c:scaling>
+          <c:orientation val="minMax"/>
+        </c:scaling>
+        <c:axPos val="l"/>
+        <c:tickLblPos val="nextTo"/>
+        <c:crossAx val="64453248"/>
+        <c:crosses val="autoZero"/>
+        <c:auto val="1"/>
+        <c:lblAlgn val="ctr"/>
+        <c:lblOffset val="100"/>
+      </c:catAx>
+      <c:valAx>
+        <c:axId val="64453248"/>
+        <c:scaling>
+          <c:orientation val="minMax"/>
+        </c:scaling>
+        <c:axPos val="b"/>
+        <c:numFmt formatCode="General" sourceLinked="1"/>
+        <c:tickLblPos val="nextTo"/>
+        <c:crossAx val="64451712"/>
+        <c:crosses val="autoZero"/>
+        <c:crossBetween val="between"/>
+      </c:valAx>
+    </c:plotArea>
+    <c:legend>
+      <c:legendPos val="r"/>
+      <c:layout/>
+    </c:legend>
+    <c:plotVisOnly val="1"/>
+    <c:title>
+      <c:tx>
+        <c:rich>
+          <a:bodyPr/>
+          <a:lstStyle/>
+          <a:p>
+            <a:pPr>
+              <a:defRPr/>
+            </a:pPr>
+            <a:r>
+              <a:rPr lang="en-US" dirty="0" smtClean="0"/>
+              <a:t>Sample bar chart</a:t>
+            </a:r>
+            <a:endParaRPr lang="en-US" dirty="0"/>
+          </a:p>
+        </c:rich>
+      </c:tx>
+      <c:layout/>
+      <c:overlay val="0"/>
+    </c:title>
+  </c:chart>
+  <c:txPr>
+    <a:bodyPr/>
+    <a:lstStyle/>
+    <a:p>
+      <a:pPr>
+        <a:defRPr sz="1800"/>
+      </a:pPr>
+      <a:endParaRPr lang="en-US"/>
+    </a:p>
+  </c:txPr>
+  <c:externalData r:id="rId1"/>
+</c:chartSpace>
+</file>
+
+<file path=ppt/charts/chart9.xml><?xml version="1.0" encoding="utf-8"?>
+<c:chartSpace xmlns:c="http://schemas.openxmlformats.org/drawingml/2006/chart" xmlns:a="http://schemas.openxmlformats.org/drawingml/2006/main" xmlns:r="http://schemas.openxmlformats.org/officeDocument/2006/relationships">
+  <c:lang val="en-US"/>
+  <c:date1904 val="1"/>
+  <c:chart>
+    <c:plotArea>
+      <c:layout/>
+      <c:barChart>
+        <c:barDir val="bar"/>
+        <c:grouping val="stacked"/>
+        <c:overlap val="100"/>
+        <c:gapWidth val="150"/>
+        <c:axId val="64451712"/>
+        <c:axId val="64453248"/>
+        <c:ser>
+          <c:idx val="0"/>
+          <c:order val="0"/>
+          <c:tx>
+            <c:strRef>
+              <c:f>Sheet1!$B$1</c:f>
+              <c:strCache>
+                <c:ptCount val="1"/>
+                <c:pt idx="0">
+                  <c:v>europe</c:v>
+                </c:pt>
+              </c:strCache>
+            </c:strRef>
+          </c:tx>
+          <c:invertIfNegative val="0"/>
+          <c:cat>
+            <c:strRef>
+              <c:f>Sheet1!$A$2:$A$4</c:f>
+              <c:strCache>
+                <c:ptCount val="3"/>
+                <c:pt idx="0">
+                  <c:v>Y2003</c:v>
+                </c:pt>
+                <c:pt idx="1">
+                  <c:v>Y2004</c:v>
+                </c:pt>
+                <c:pt idx="2">
+                  <c:v>Y2005</c:v>
+                </c:pt>
+              </c:strCache>
+            </c:strRef>
+          </c:cat>
+          <c:val>
+            <c:numRef>
+              <c:f>Sheet1!$B$2:$B$4</c:f>
+              <c:numCache>
+                <c:formatCode>General</c:formatCode>
+                <c:ptCount val="3"/>
+                <c:pt idx="0">
+                  <c:v>2.5</c:v>
+                </c:pt>
+                <c:pt idx="1">
+                  <c:v>2.6</c:v>
+                </c:pt>
+                <c:pt idx="2">
+                  <c:v>2.8</c:v>
+                </c:pt>
+              </c:numCache>
+            </c:numRef>
+          </c:val>
+          <c:spPr>
+            <a:solidFill>
+              <a:srgbClr val="ff0000"/>
+            </a:solidFill>
+          </c:spPr>
+        </c:ser>
+        <c:ser>
+          <c:idx val="1"/>
+          <c:order val="1"/>
+          <c:tx>
+            <c:strRef>
+              <c:f>Sheet1!$C$1</c:f>
+              <c:strCache>
+                <c:ptCount val="1"/>
+                <c:pt idx="0">
+                  <c:v>namerica</c:v>
+                </c:pt>
+              </c:strCache>
+            </c:strRef>
+          </c:tx>
+          <c:invertIfNegative val="0"/>
+          <c:cat>
+            <c:strRef>
+              <c:f>Sheet1!$A$2:$A$4</c:f>
+              <c:strCache>
+                <c:ptCount val="3"/>
+                <c:pt idx="0">
+                  <c:v>Y2003</c:v>
+                </c:pt>
+                <c:pt idx="1">
+                  <c:v>Y2004</c:v>
+                </c:pt>
+                <c:pt idx="2">
+                  <c:v>Y2005</c:v>
+                </c:pt>
+              </c:strCache>
+            </c:strRef>
+          </c:cat>
+          <c:val>
+            <c:numRef>
+              <c:f>Sheet1!$C$2:$C$4</c:f>
+              <c:numCache>
+                <c:formatCode>General</c:formatCode>
+                <c:ptCount val="3"/>
+                <c:pt idx="0">
+                  <c:v>2.5</c:v>
+                </c:pt>
+                <c:pt idx="1">
+                  <c:v>2.7</c:v>
+                </c:pt>
+                <c:pt idx="2">
+                  <c:v>2.9</c:v>
+                </c:pt>
+              </c:numCache>
+            </c:numRef>
+          </c:val>
+          <c:spPr>
+            <a:solidFill>
+              <a:srgbClr val="00ff00"/>
+            </a:solidFill>
+          </c:spPr>
+        </c:ser>
+        <c:ser>
+          <c:idx val="2"/>
+          <c:order val="2"/>
+          <c:tx>
+            <c:strRef>
+              <c:f>Sheet1!$D$1</c:f>
+              <c:strCache>
+                <c:ptCount val="1"/>
+                <c:pt idx="0">
+                  <c:v>asia</c:v>
+                </c:pt>
+              </c:strCache>
+            </c:strRef>
+          </c:tx>
+          <c:invertIfNegative val="0"/>
+          <c:cat>
+            <c:strRef>
+              <c:f>Sheet1!$A$2:$A$4</c:f>
+              <c:strCache>
+                <c:ptCount val="3"/>
+                <c:pt idx="0">
+                  <c:v>Y2003</c:v>
+                </c:pt>
+                <c:pt idx="1">
+                  <c:v>Y2004</c:v>
+                </c:pt>
+                <c:pt idx="2">
+                  <c:v>Y2005</c:v>
+                </c:pt>
+              </c:strCache>
+            </c:strRef>
+          </c:cat>
+          <c:val>
+            <c:numRef>
+              <c:f>Sheet1!$D$2:$D$4</c:f>
+              <c:numCache>
+                <c:formatCode>General</c:formatCode>
+                <c:ptCount val="3"/>
+                <c:pt idx="0">
+                  <c:v>2.1</c:v>
+                </c:pt>
+                <c:pt idx="1">
+                  <c:v>2.2</c:v>
+                </c:pt>
+                <c:pt idx="2">
+                  <c:v>2.4</c:v>
+                </c:pt>
+              </c:numCache>
+            </c:numRef>
+          </c:val>
+          <c:spPr>
+            <a:solidFill>
+              <a:srgbClr val="0000ff"/>
+            </a:solidFill>
+          </c:spPr>
+        </c:ser>
+        <c:ser>
+          <c:idx val="3"/>
+          <c:order val="3"/>
+          <c:tx>
+            <c:strRef>
+              <c:f>Sheet1!$E$1</c:f>
+              <c:strCache>
+                <c:ptCount val="1"/>
+                <c:pt idx="0">
+                  <c:v>lamerica</c:v>
+                </c:pt>
+              </c:strCache>
+            </c:strRef>
+          </c:tx>
+          <c:invertIfNegative val="0"/>
+          <c:cat>
+            <c:strRef>
+              <c:f>Sheet1!$A$2:$A$4</c:f>
+              <c:strCache>
+                <c:ptCount val="3"/>
+                <c:pt idx="0">
+                  <c:v>Y2003</c:v>
+                </c:pt>
+                <c:pt idx="1">
+                  <c:v>Y2004</c:v>
+                </c:pt>
+                <c:pt idx="2">
+                  <c:v>Y2005</c:v>
+                </c:pt>
+              </c:strCache>
+            </c:strRef>
+          </c:cat>
+          <c:val>
+            <c:numRef>
+              <c:f>Sheet1!$E$2:$E$4</c:f>
+              <c:numCache>
+                <c:formatCode>General</c:formatCode>
+                <c:ptCount val="3"/>
+                <c:pt idx="0">
+                  <c:v>0.3</c:v>
+                </c:pt>
+                <c:pt idx="1">
+                  <c:v>0.3</c:v>
+                </c:pt>
+                <c:pt idx="2">
+                  <c:v>0.3</c:v>
+                </c:pt>
+              </c:numCache>
+            </c:numRef>
+          </c:val>
+          <c:spPr>
+            <a:solidFill>
+              <a:srgbClr val="ffff00"/>
+            </a:solidFill>
+          </c:spPr>
+        </c:ser>
+        <c:ser>
+          <c:idx val="4"/>
+          <c:order val="4"/>
+          <c:tx>
+            <c:strRef>
+              <c:f>Sheet1!$F$1</c:f>
+              <c:strCache>
+                <c:ptCount val="1"/>
+                <c:pt idx="0">
+                  <c:v>meast</c:v>
+                </c:pt>
+              </c:strCache>
+            </c:strRef>
+          </c:tx>
+          <c:invertIfNegative val="0"/>
+          <c:cat>
+            <c:strRef>
+              <c:f>Sheet1!$A$2:$A$4</c:f>
+              <c:strCache>
+                <c:ptCount val="3"/>
+                <c:pt idx="0">
+                  <c:v>Y2003</c:v>
+                </c:pt>
+                <c:pt idx="1">
+                  <c:v>Y2004</c:v>
+                </c:pt>
+                <c:pt idx="2">
+                  <c:v>Y2005</c:v>
+                </c:pt>
+              </c:strCache>
+            </c:strRef>
+          </c:cat>
+          <c:val>
+            <c:numRef>
+              <c:f>Sheet1!$F$2:$F$4</c:f>
+              <c:numCache>
+                <c:formatCode>General</c:formatCode>
+                <c:ptCount val="3"/>
+                <c:pt idx="0">
+                  <c:v>0.2</c:v>
+                </c:pt>
+                <c:pt idx="1">
+                  <c:v>0.3</c:v>
+                </c:pt>
+                <c:pt idx="2">
+                  <c:v>0.3</c:v>
+                </c:pt>
+              </c:numCache>
+            </c:numRef>
+          </c:val>
+          <c:spPr>
+            <a:solidFill>
+              <a:srgbClr val="ff00ff"/>
+            </a:solidFill>
+          </c:spPr>
+        </c:ser>
+        <c:ser>
+          <c:idx val="5"/>
+          <c:order val="5"/>
+          <c:tx>
+            <c:strRef>
+              <c:f>Sheet1!$G$1</c:f>
+              <c:strCache>
+                <c:ptCount val="1"/>
+                <c:pt idx="0">
+                  <c:v>africa</c:v>
+                </c:pt>
+              </c:strCache>
+            </c:strRef>
+          </c:tx>
+          <c:invertIfNegative val="0"/>
+          <c:cat>
+            <c:strRef>
+              <c:f>Sheet1!$A$2:$A$4</c:f>
+              <c:strCache>
+                <c:ptCount val="3"/>
+                <c:pt idx="0">
+                  <c:v>Y2003</c:v>
+                </c:pt>
+                <c:pt idx="1">
+                  <c:v>Y2004</c:v>
+                </c:pt>
+                <c:pt idx="2">
+                  <c:v>Y2005</c:v>
+                </c:pt>
+              </c:strCache>
+            </c:strRef>
+          </c:cat>
+          <c:val>
+            <c:numRef>
+              <c:f>Sheet1!$G$2:$G$4</c:f>
+              <c:numCache>
+                <c:formatCode>General</c:formatCode>
+                <c:ptCount val="3"/>
+                <c:pt idx="0">
+                  <c:v>0.1</c:v>
+                </c:pt>
+                <c:pt idx="1">
+                  <c:v>0.1</c:v>
+                </c:pt>
+                <c:pt idx="2">
+                  <c:v>0.1</c:v>
+                </c:pt>
+              </c:numCache>
+            </c:numRef>
+          </c:val>
+          <c:spPr>
+            <a:solidFill>
+              <a:srgbClr val="00ffff"/>
+            </a:solidFill>
+          </c:spPr>
+        </c:ser>
+      </c:barChart>
+      <c:catAx>
+        <c:axId val="64451712"/>
+        <c:scaling>
+          <c:orientation val="minMax"/>
+        </c:scaling>
+        <c:axPos val="l"/>
+        <c:tickLblPos val="nextTo"/>
+        <c:crossAx val="64453248"/>
+        <c:crosses val="autoZero"/>
+        <c:auto val="1"/>
+        <c:lblAlgn val="ctr"/>
+        <c:lblOffset val="100"/>
+      </c:catAx>
+      <c:valAx>
+        <c:axId val="64453248"/>
+        <c:scaling>
+          <c:orientation val="minMax"/>
+        </c:scaling>
+        <c:axPos val="b"/>
+        <c:numFmt formatCode="General" sourceLinked="1"/>
+        <c:tickLblPos val="nextTo"/>
+        <c:crossAx val="64451712"/>
+        <c:crosses val="autoZero"/>
+        <c:crossBetween val="between"/>
+      </c:valAx>
+    </c:plotArea>
+    <c:legend>
+      <c:legendPos val="r"/>
+      <c:layout/>
+    </c:legend>
+    <c:plotVisOnly val="1"/>
+    <c:title>
+      <c:tx>
+        <c:rich>
+          <a:bodyPr/>
+          <a:lstStyle/>
+          <a:p>
+            <a:pPr>
+              <a:defRPr/>
+            </a:pPr>
+            <a:r>
+              <a:rPr lang="en-US" dirty="0" smtClean="0"/>
+              <a:t>Group bar chart</a:t>
+            </a:r>
+            <a:endParaRPr lang="en-US" dirty="0"/>
+          </a:p>
+        </c:rich>
+      </c:tx>
+      <c:layout/>
+      <c:overlay val="0"/>
+    </c:title>
   </c:chart>
   <c:txPr>
     <a:bodyPr/>
@@ -482,7 +3086,7 @@
           <a:p>
             <a:fld id="{F8166F1F-CE9B-4651-A6AA-CD717754106B}" type="datetimeFigureOut">
               <a:rPr lang="en-US" smtClean="0"/>
-              <a:t>11/17/2020</a:t>
+              <a:t>11/18/2020</a:t>
             </a:fld>
             <a:endParaRPr lang="en-US"/>
           </a:p>
@@ -989,7 +3593,7 @@
           <a:p>
             <a:fld id="{A76116CE-C4A3-4A05-B2D7-7C2E9A889C0F}" type="datetimeFigureOut">
               <a:rPr lang="en-US" smtClean="0"/>
-              <a:t>11/17/2020</a:t>
+              <a:t>11/18/2020</a:t>
             </a:fld>
             <a:endParaRPr lang="en-US"/>
           </a:p>
@@ -1230,7 +3834,7 @@
           <a:p>
             <a:fld id="{A76116CE-C4A3-4A05-B2D7-7C2E9A889C0F}" type="datetimeFigureOut">
               <a:rPr lang="en-US" smtClean="0"/>
-              <a:t>11/17/2020</a:t>
+              <a:t>11/18/2020</a:t>
             </a:fld>
             <a:endParaRPr lang="en-US"/>
           </a:p>
@@ -3215,6 +5819,446 @@
 </file>
 
 <file path=ppt/slides/slide1.xml><?xml version="1.0" encoding="utf-8"?>
+<p:sld xmlns:a="http://schemas.openxmlformats.org/drawingml/2006/main" xmlns:r="http://schemas.openxmlformats.org/officeDocument/2006/relationships" xmlns:p="http://schemas.openxmlformats.org/presentationml/2006/main">
+  <p:cSld name="OfficeChart slide">
+    <p:bg>
+      <p:bgPr>
+        <a:solidFill>
+          <a:srgbClr val="ffffff"/>
+        </a:solidFill>
+        <a:effectLst/>
+      </p:bgPr>
+    </p:bg>
+    <p:spTree>
+      <p:nvGrpSpPr>
+        <p:cNvPr id="1" name=""/>
+        <p:cNvGrpSpPr/>
+        <p:nvPr/>
+      </p:nvGrpSpPr>
+      <p:grpSpPr>
+        <a:xfrm>
+          <a:off x="0" y="0"/>
+          <a:ext cx="0" cy="0"/>
+          <a:chOff x="0" y="0"/>
+          <a:chExt cx="0" cy="0"/>
+        </a:xfrm>
+      </p:grpSpPr>
+      <p:graphicFrame>
+        <p:nvGraphicFramePr>
+          <p:cNvPr id="4" name="OfficeChart 3"/>
+          <p:cNvGraphicFramePr/>
+          <p:nvPr>
+            <p:extLst>
+              <p:ext uri="{D42A27DB-BD31-4B8C-83A1-F6EECF244321}">
+                <p14:modId xmlns:p14="http://schemas.microsoft.com/office/powerpoint/2010/main" val="1256887135"/>
+              </p:ext>
+            </p:extLst>
+          </p:nvPr>
+        </p:nvGraphicFramePr>
+        <p:xfrm>
+          <a:off x="1524000" y="1397000"/>
+          <a:ext cx="6096000" cy="4064000"/>
+        </p:xfrm>
+        <a:graphic>
+          <a:graphicData uri="http://schemas.openxmlformats.org/drawingml/2006/chart">
+            <c:chart xmlns:c="http://schemas.openxmlformats.org/drawingml/2006/chart" xmlns:r="http://schemas.openxmlformats.org/officeDocument/2006/relationships" r:id="rId2"/>
+          </a:graphicData>
+        </a:graphic>
+      </p:graphicFrame>
+    </p:spTree>
+  </p:cSld>
+  <p:clrMapOvr>
+    <a:masterClrMapping/>
+  </p:clrMapOvr>
+</p:sld>
+</file>
+
+<file path=ppt/slides/slide2.xml><?xml version="1.0" encoding="utf-8"?>
+<p:sld xmlns:a="http://schemas.openxmlformats.org/drawingml/2006/main" xmlns:r="http://schemas.openxmlformats.org/officeDocument/2006/relationships" xmlns:p="http://schemas.openxmlformats.org/presentationml/2006/main">
+  <p:cSld name="OfficeChart slide">
+    <p:bg>
+      <p:bgPr>
+        <a:solidFill>
+          <a:srgbClr val="ffffff"/>
+        </a:solidFill>
+        <a:effectLst/>
+      </p:bgPr>
+    </p:bg>
+    <p:spTree>
+      <p:nvGrpSpPr>
+        <p:cNvPr id="1" name=""/>
+        <p:cNvGrpSpPr/>
+        <p:nvPr/>
+      </p:nvGrpSpPr>
+      <p:grpSpPr>
+        <a:xfrm>
+          <a:off x="0" y="0"/>
+          <a:ext cx="0" cy="0"/>
+          <a:chOff x="0" y="0"/>
+          <a:chExt cx="0" cy="0"/>
+        </a:xfrm>
+      </p:grpSpPr>
+      <p:graphicFrame>
+        <p:nvGraphicFramePr>
+          <p:cNvPr id="4" name="OfficeChart 3"/>
+          <p:cNvGraphicFramePr/>
+          <p:nvPr>
+            <p:extLst>
+              <p:ext uri="{D42A27DB-BD31-4B8C-83A1-F6EECF244321}">
+                <p14:modId xmlns:p14="http://schemas.microsoft.com/office/powerpoint/2010/main" val="1256887135"/>
+              </p:ext>
+            </p:extLst>
+          </p:nvPr>
+        </p:nvGraphicFramePr>
+        <p:xfrm>
+          <a:off x="1524000" y="1397000"/>
+          <a:ext cx="6096000" cy="4064000"/>
+        </p:xfrm>
+        <a:graphic>
+          <a:graphicData uri="http://schemas.openxmlformats.org/drawingml/2006/chart">
+            <c:chart xmlns:c="http://schemas.openxmlformats.org/drawingml/2006/chart" xmlns:r="http://schemas.openxmlformats.org/officeDocument/2006/relationships" r:id="rId2"/>
+          </a:graphicData>
+        </a:graphic>
+      </p:graphicFrame>
+    </p:spTree>
+  </p:cSld>
+  <p:clrMapOvr>
+    <a:masterClrMapping/>
+  </p:clrMapOvr>
+</p:sld>
+</file>
+
+<file path=ppt/slides/slide3.xml><?xml version="1.0" encoding="utf-8"?>
+<p:sld xmlns:a="http://schemas.openxmlformats.org/drawingml/2006/main" xmlns:r="http://schemas.openxmlformats.org/officeDocument/2006/relationships" xmlns:p="http://schemas.openxmlformats.org/presentationml/2006/main">
+  <p:cSld name="OfficeChart slide">
+    <p:bg>
+      <p:bgPr>
+        <a:solidFill>
+          <a:srgbClr val="ffffff"/>
+        </a:solidFill>
+        <a:effectLst/>
+      </p:bgPr>
+    </p:bg>
+    <p:spTree>
+      <p:nvGrpSpPr>
+        <p:cNvPr id="1" name=""/>
+        <p:cNvGrpSpPr/>
+        <p:nvPr/>
+      </p:nvGrpSpPr>
+      <p:grpSpPr>
+        <a:xfrm>
+          <a:off x="0" y="0"/>
+          <a:ext cx="0" cy="0"/>
+          <a:chOff x="0" y="0"/>
+          <a:chExt cx="0" cy="0"/>
+        </a:xfrm>
+      </p:grpSpPr>
+      <p:graphicFrame>
+        <p:nvGraphicFramePr>
+          <p:cNvPr id="4" name="OfficeChart 3"/>
+          <p:cNvGraphicFramePr/>
+          <p:nvPr>
+            <p:extLst>
+              <p:ext uri="{D42A27DB-BD31-4B8C-83A1-F6EECF244321}">
+                <p14:modId xmlns:p14="http://schemas.microsoft.com/office/powerpoint/2010/main" val="1256887135"/>
+              </p:ext>
+            </p:extLst>
+          </p:nvPr>
+        </p:nvGraphicFramePr>
+        <p:xfrm>
+          <a:off x="1524000" y="1397000"/>
+          <a:ext cx="6096000" cy="4064000"/>
+        </p:xfrm>
+        <a:graphic>
+          <a:graphicData uri="http://schemas.openxmlformats.org/drawingml/2006/chart">
+            <c:chart xmlns:c="http://schemas.openxmlformats.org/drawingml/2006/chart" xmlns:r="http://schemas.openxmlformats.org/officeDocument/2006/relationships" r:id="rId2"/>
+          </a:graphicData>
+        </a:graphic>
+      </p:graphicFrame>
+    </p:spTree>
+  </p:cSld>
+  <p:clrMapOvr>
+    <a:masterClrMapping/>
+  </p:clrMapOvr>
+</p:sld>
+</file>
+
+<file path=ppt/slides/slide4.xml><?xml version="1.0" encoding="utf-8"?>
+<p:sld xmlns:a="http://schemas.openxmlformats.org/drawingml/2006/main" xmlns:r="http://schemas.openxmlformats.org/officeDocument/2006/relationships" xmlns:p="http://schemas.openxmlformats.org/presentationml/2006/main">
+  <p:cSld name="OfficeChart slide">
+    <p:bg>
+      <p:bgPr>
+        <a:solidFill>
+          <a:srgbClr val="ffffff"/>
+        </a:solidFill>
+        <a:effectLst/>
+      </p:bgPr>
+    </p:bg>
+    <p:spTree>
+      <p:nvGrpSpPr>
+        <p:cNvPr id="1" name=""/>
+        <p:cNvGrpSpPr/>
+        <p:nvPr/>
+      </p:nvGrpSpPr>
+      <p:grpSpPr>
+        <a:xfrm>
+          <a:off x="0" y="0"/>
+          <a:ext cx="0" cy="0"/>
+          <a:chOff x="0" y="0"/>
+          <a:chExt cx="0" cy="0"/>
+        </a:xfrm>
+      </p:grpSpPr>
+      <p:graphicFrame>
+        <p:nvGraphicFramePr>
+          <p:cNvPr id="4" name="OfficeChart 3"/>
+          <p:cNvGraphicFramePr/>
+          <p:nvPr>
+            <p:extLst>
+              <p:ext uri="{D42A27DB-BD31-4B8C-83A1-F6EECF244321}">
+                <p14:modId xmlns:p14="http://schemas.microsoft.com/office/powerpoint/2010/main" val="1256887135"/>
+              </p:ext>
+            </p:extLst>
+          </p:nvPr>
+        </p:nvGraphicFramePr>
+        <p:xfrm>
+          <a:off x="1524000" y="1397000"/>
+          <a:ext cx="6096000" cy="4064000"/>
+        </p:xfrm>
+        <a:graphic>
+          <a:graphicData uri="http://schemas.openxmlformats.org/drawingml/2006/chart">
+            <c:chart xmlns:c="http://schemas.openxmlformats.org/drawingml/2006/chart" xmlns:r="http://schemas.openxmlformats.org/officeDocument/2006/relationships" r:id="rId2"/>
+          </a:graphicData>
+        </a:graphic>
+      </p:graphicFrame>
+    </p:spTree>
+  </p:cSld>
+  <p:clrMapOvr>
+    <a:masterClrMapping/>
+  </p:clrMapOvr>
+</p:sld>
+</file>
+
+<file path=ppt/slides/slide5.xml><?xml version="1.0" encoding="utf-8"?>
+<p:sld xmlns:a="http://schemas.openxmlformats.org/drawingml/2006/main" xmlns:r="http://schemas.openxmlformats.org/officeDocument/2006/relationships" xmlns:p="http://schemas.openxmlformats.org/presentationml/2006/main">
+  <p:cSld name="OfficeChart slide">
+    <p:bg>
+      <p:bgPr>
+        <a:solidFill>
+          <a:srgbClr val="ffffff"/>
+        </a:solidFill>
+        <a:effectLst/>
+      </p:bgPr>
+    </p:bg>
+    <p:spTree>
+      <p:nvGrpSpPr>
+        <p:cNvPr id="1" name=""/>
+        <p:cNvGrpSpPr/>
+        <p:nvPr/>
+      </p:nvGrpSpPr>
+      <p:grpSpPr>
+        <a:xfrm>
+          <a:off x="0" y="0"/>
+          <a:ext cx="0" cy="0"/>
+          <a:chOff x="0" y="0"/>
+          <a:chExt cx="0" cy="0"/>
+        </a:xfrm>
+      </p:grpSpPr>
+      <p:graphicFrame>
+        <p:nvGraphicFramePr>
+          <p:cNvPr id="4" name="OfficeChart 3"/>
+          <p:cNvGraphicFramePr/>
+          <p:nvPr>
+            <p:extLst>
+              <p:ext uri="{D42A27DB-BD31-4B8C-83A1-F6EECF244321}">
+                <p14:modId xmlns:p14="http://schemas.microsoft.com/office/powerpoint/2010/main" val="1256887135"/>
+              </p:ext>
+            </p:extLst>
+          </p:nvPr>
+        </p:nvGraphicFramePr>
+        <p:xfrm>
+          <a:off x="1524000" y="1397000"/>
+          <a:ext cx="6096000" cy="4064000"/>
+        </p:xfrm>
+        <a:graphic>
+          <a:graphicData uri="http://schemas.openxmlformats.org/drawingml/2006/chart">
+            <c:chart xmlns:c="http://schemas.openxmlformats.org/drawingml/2006/chart" xmlns:r="http://schemas.openxmlformats.org/officeDocument/2006/relationships" r:id="rId2"/>
+          </a:graphicData>
+        </a:graphic>
+      </p:graphicFrame>
+    </p:spTree>
+  </p:cSld>
+  <p:clrMapOvr>
+    <a:masterClrMapping/>
+  </p:clrMapOvr>
+</p:sld>
+</file>
+
+<file path=ppt/slides/slide6.xml><?xml version="1.0" encoding="utf-8"?>
+<p:sld xmlns:a="http://schemas.openxmlformats.org/drawingml/2006/main" xmlns:r="http://schemas.openxmlformats.org/officeDocument/2006/relationships" xmlns:p="http://schemas.openxmlformats.org/presentationml/2006/main">
+  <p:cSld name="OfficeChart slide">
+    <p:bg>
+      <p:bgPr>
+        <a:solidFill>
+          <a:srgbClr val="ffffff"/>
+        </a:solidFill>
+        <a:effectLst/>
+      </p:bgPr>
+    </p:bg>
+    <p:spTree>
+      <p:nvGrpSpPr>
+        <p:cNvPr id="1" name=""/>
+        <p:cNvGrpSpPr/>
+        <p:nvPr/>
+      </p:nvGrpSpPr>
+      <p:grpSpPr>
+        <a:xfrm>
+          <a:off x="0" y="0"/>
+          <a:ext cx="0" cy="0"/>
+          <a:chOff x="0" y="0"/>
+          <a:chExt cx="0" cy="0"/>
+        </a:xfrm>
+      </p:grpSpPr>
+      <p:graphicFrame>
+        <p:nvGraphicFramePr>
+          <p:cNvPr id="4" name="OfficeChart 3"/>
+          <p:cNvGraphicFramePr/>
+          <p:nvPr>
+            <p:extLst>
+              <p:ext uri="{D42A27DB-BD31-4B8C-83A1-F6EECF244321}">
+                <p14:modId xmlns:p14="http://schemas.microsoft.com/office/powerpoint/2010/main" val="1256887135"/>
+              </p:ext>
+            </p:extLst>
+          </p:nvPr>
+        </p:nvGraphicFramePr>
+        <p:xfrm>
+          <a:off x="1524000" y="1397000"/>
+          <a:ext cx="6096000" cy="4064000"/>
+        </p:xfrm>
+        <a:graphic>
+          <a:graphicData uri="http://schemas.openxmlformats.org/drawingml/2006/chart">
+            <c:chart xmlns:c="http://schemas.openxmlformats.org/drawingml/2006/chart" xmlns:r="http://schemas.openxmlformats.org/officeDocument/2006/relationships" r:id="rId2"/>
+          </a:graphicData>
+        </a:graphic>
+      </p:graphicFrame>
+    </p:spTree>
+  </p:cSld>
+  <p:clrMapOvr>
+    <a:masterClrMapping/>
+  </p:clrMapOvr>
+</p:sld>
+</file>
+
+<file path=ppt/slides/slide7.xml><?xml version="1.0" encoding="utf-8"?>
+<p:sld xmlns:a="http://schemas.openxmlformats.org/drawingml/2006/main" xmlns:r="http://schemas.openxmlformats.org/officeDocument/2006/relationships" xmlns:p="http://schemas.openxmlformats.org/presentationml/2006/main">
+  <p:cSld name="OfficeChart slide">
+    <p:bg>
+      <p:bgPr>
+        <a:solidFill>
+          <a:srgbClr val="ffffff"/>
+        </a:solidFill>
+        <a:effectLst/>
+      </p:bgPr>
+    </p:bg>
+    <p:spTree>
+      <p:nvGrpSpPr>
+        <p:cNvPr id="1" name=""/>
+        <p:cNvGrpSpPr/>
+        <p:nvPr/>
+      </p:nvGrpSpPr>
+      <p:grpSpPr>
+        <a:xfrm>
+          <a:off x="0" y="0"/>
+          <a:ext cx="0" cy="0"/>
+          <a:chOff x="0" y="0"/>
+          <a:chExt cx="0" cy="0"/>
+        </a:xfrm>
+      </p:grpSpPr>
+      <p:graphicFrame>
+        <p:nvGraphicFramePr>
+          <p:cNvPr id="4" name="OfficeChart 3"/>
+          <p:cNvGraphicFramePr/>
+          <p:nvPr>
+            <p:extLst>
+              <p:ext uri="{D42A27DB-BD31-4B8C-83A1-F6EECF244321}">
+                <p14:modId xmlns:p14="http://schemas.microsoft.com/office/powerpoint/2010/main" val="1256887135"/>
+              </p:ext>
+            </p:extLst>
+          </p:nvPr>
+        </p:nvGraphicFramePr>
+        <p:xfrm>
+          <a:off x="1524000" y="1397000"/>
+          <a:ext cx="6096000" cy="4064000"/>
+        </p:xfrm>
+        <a:graphic>
+          <a:graphicData uri="http://schemas.openxmlformats.org/drawingml/2006/chart">
+            <c:chart xmlns:c="http://schemas.openxmlformats.org/drawingml/2006/chart" xmlns:r="http://schemas.openxmlformats.org/officeDocument/2006/relationships" r:id="rId2"/>
+          </a:graphicData>
+        </a:graphic>
+      </p:graphicFrame>
+    </p:spTree>
+  </p:cSld>
+  <p:clrMapOvr>
+    <a:masterClrMapping/>
+  </p:clrMapOvr>
+</p:sld>
+</file>
+
+<file path=ppt/slides/slide8.xml><?xml version="1.0" encoding="utf-8"?>
+<p:sld xmlns:a="http://schemas.openxmlformats.org/drawingml/2006/main" xmlns:r="http://schemas.openxmlformats.org/officeDocument/2006/relationships" xmlns:p="http://schemas.openxmlformats.org/presentationml/2006/main">
+  <p:cSld name="OfficeChart slide">
+    <p:bg>
+      <p:bgPr>
+        <a:solidFill>
+          <a:srgbClr val="ffffff"/>
+        </a:solidFill>
+        <a:effectLst/>
+      </p:bgPr>
+    </p:bg>
+    <p:spTree>
+      <p:nvGrpSpPr>
+        <p:cNvPr id="1" name=""/>
+        <p:cNvGrpSpPr/>
+        <p:nvPr/>
+      </p:nvGrpSpPr>
+      <p:grpSpPr>
+        <a:xfrm>
+          <a:off x="0" y="0"/>
+          <a:ext cx="0" cy="0"/>
+          <a:chOff x="0" y="0"/>
+          <a:chExt cx="0" cy="0"/>
+        </a:xfrm>
+      </p:grpSpPr>
+      <p:graphicFrame>
+        <p:nvGraphicFramePr>
+          <p:cNvPr id="4" name="OfficeChart 3"/>
+          <p:cNvGraphicFramePr/>
+          <p:nvPr>
+            <p:extLst>
+              <p:ext uri="{D42A27DB-BD31-4B8C-83A1-F6EECF244321}">
+                <p14:modId xmlns:p14="http://schemas.microsoft.com/office/powerpoint/2010/main" val="1256887135"/>
+              </p:ext>
+            </p:extLst>
+          </p:nvPr>
+        </p:nvGraphicFramePr>
+        <p:xfrm>
+          <a:off x="1524000" y="1397000"/>
+          <a:ext cx="6096000" cy="4064000"/>
+        </p:xfrm>
+        <a:graphic>
+          <a:graphicData uri="http://schemas.openxmlformats.org/drawingml/2006/chart">
+            <c:chart xmlns:c="http://schemas.openxmlformats.org/drawingml/2006/chart" xmlns:r="http://schemas.openxmlformats.org/officeDocument/2006/relationships" r:id="rId2"/>
+          </a:graphicData>
+        </a:graphic>
+      </p:graphicFrame>
+    </p:spTree>
+  </p:cSld>
+  <p:clrMapOvr>
+    <a:masterClrMapping/>
+  </p:clrMapOvr>
+</p:sld>
+</file>
+
+<file path=ppt/slides/slide9.xml><?xml version="1.0" encoding="utf-8"?>
 <p:sld xmlns:a="http://schemas.openxmlformats.org/drawingml/2006/main" xmlns:r="http://schemas.openxmlformats.org/officeDocument/2006/relationships" xmlns:p="http://schemas.openxmlformats.org/presentationml/2006/main">
   <p:cSld name="OfficeChart slide">
     <p:bg>
